--- a/취준/조웅현 포트폴리오.pptx
+++ b/취준/조웅현 포트폴리오.pptx
@@ -5,10 +5,10 @@
     <p:sldMasterId id="2147483696" r:id="rId1"/>
   </p:sldMasterIdLst>
   <p:notesMasterIdLst>
-    <p:notesMasterId r:id="rId14"/>
+    <p:notesMasterId r:id="rId16"/>
   </p:notesMasterIdLst>
   <p:handoutMasterIdLst>
-    <p:handoutMasterId r:id="rId15"/>
+    <p:handoutMasterId r:id="rId17"/>
   </p:handoutMasterIdLst>
   <p:sldIdLst>
     <p:sldId id="256" r:id="rId2"/>
@@ -19,45 +19,47 @@
     <p:sldId id="261" r:id="rId7"/>
     <p:sldId id="262" r:id="rId8"/>
     <p:sldId id="263" r:id="rId9"/>
-    <p:sldId id="264" r:id="rId10"/>
-    <p:sldId id="265" r:id="rId11"/>
-    <p:sldId id="266" r:id="rId12"/>
-    <p:sldId id="267" r:id="rId13"/>
+    <p:sldId id="275" r:id="rId10"/>
+    <p:sldId id="276" r:id="rId11"/>
+    <p:sldId id="277" r:id="rId12"/>
+    <p:sldId id="278" r:id="rId13"/>
+    <p:sldId id="279" r:id="rId14"/>
+    <p:sldId id="280" r:id="rId15"/>
   </p:sldIdLst>
   <p:sldSz cx="9906000" cy="6858000" type="A4"/>
   <p:notesSz cx="6858000" cy="9144000"/>
   <p:embeddedFontLst>
     <p:embeddedFont>
+      <p:font typeface="Calibri" panose="020F0502020204030204" pitchFamily="34" charset="0"/>
+      <p:regular r:id="rId18"/>
+      <p:bold r:id="rId19"/>
+      <p:italic r:id="rId20"/>
+      <p:boldItalic r:id="rId21"/>
+    </p:embeddedFont>
+    <p:embeddedFont>
+      <p:font typeface="Calibri Light" panose="020F0302020204030204" pitchFamily="34" charset="0"/>
+      <p:regular r:id="rId22"/>
+      <p:italic r:id="rId23"/>
+    </p:embeddedFont>
+    <p:embeddedFont>
+      <p:font typeface="Montserrat" pitchFamily="2" charset="0"/>
+      <p:regular r:id="rId24"/>
+      <p:bold r:id="rId25"/>
+      <p:italic r:id="rId26"/>
+      <p:boldItalic r:id="rId27"/>
+    </p:embeddedFont>
+    <p:embeddedFont>
+      <p:font typeface="나눔스퀘어" panose="020B0600000101010101" pitchFamily="50" charset="-127"/>
+      <p:regular r:id="rId28"/>
+    </p:embeddedFont>
+    <p:embeddedFont>
       <p:font typeface="맑은 고딕" panose="020B0503020000020004" pitchFamily="50" charset="-127"/>
-      <p:regular r:id="rId16"/>
-      <p:bold r:id="rId17"/>
+      <p:regular r:id="rId29"/>
+      <p:bold r:id="rId30"/>
     </p:embeddedFont>
     <p:embeddedFont>
       <p:font typeface="서울남산 장체B" panose="02020603020101020101" pitchFamily="18" charset="-127"/>
-      <p:regular r:id="rId18"/>
-    </p:embeddedFont>
-    <p:embeddedFont>
-      <p:font typeface="Calibri" panose="020F0502020204030204" pitchFamily="34" charset="0"/>
-      <p:regular r:id="rId19"/>
-      <p:bold r:id="rId20"/>
-      <p:italic r:id="rId21"/>
-      <p:boldItalic r:id="rId22"/>
-    </p:embeddedFont>
-    <p:embeddedFont>
-      <p:font typeface="Calibri Light" panose="020F0302020204030204" pitchFamily="34" charset="0"/>
-      <p:regular r:id="rId23"/>
-      <p:italic r:id="rId24"/>
-    </p:embeddedFont>
-    <p:embeddedFont>
-      <p:font typeface="Montserrat" pitchFamily="2" charset="0"/>
-      <p:regular r:id="rId25"/>
-      <p:bold r:id="rId26"/>
-      <p:italic r:id="rId27"/>
-      <p:boldItalic r:id="rId28"/>
-    </p:embeddedFont>
-    <p:embeddedFont>
-      <p:font typeface="나눔스퀘어" panose="020B0600000101010101" pitchFamily="50" charset="-127"/>
-      <p:regular r:id="rId29"/>
+      <p:regular r:id="rId31"/>
     </p:embeddedFont>
   </p:embeddedFontLst>
   <p:defaultTextStyle>
@@ -257,7 +259,7 @@
           <a:p>
             <a:fld id="{058A12C8-6F5F-4069-A8D6-76F7EDCD7F26}" type="datetimeFigureOut">
               <a:rPr lang="ko-KR" altLang="en-US" smtClean="0"/>
-              <a:t>2022-03-03</a:t>
+              <a:t>2022-03-04</a:t>
             </a:fld>
             <a:endParaRPr lang="ko-KR" altLang="en-US"/>
           </a:p>
@@ -435,7 +437,7 @@
           <a:p>
             <a:fld id="{D3046583-9F8F-4FDF-814E-AC68739845CD}" type="datetimeFigureOut">
               <a:rPr lang="ko-KR" altLang="en-US" smtClean="0"/>
-              <a:t>2022-03-03</a:t>
+              <a:t>2022-03-04</a:t>
             </a:fld>
             <a:endParaRPr lang="ko-KR" altLang="en-US"/>
           </a:p>
@@ -834,7 +836,7 @@
           <a:p>
             <a:fld id="{17E7ED52-31D9-4B95-87DC-28B7C8CCE90D}" type="datetimeFigureOut">
               <a:rPr lang="ko-KR" altLang="en-US" smtClean="0"/>
-              <a:t>2022-03-03</a:t>
+              <a:t>2022-03-04</a:t>
             </a:fld>
             <a:endParaRPr lang="ko-KR" altLang="en-US"/>
           </a:p>
@@ -1004,7 +1006,7 @@
           <a:p>
             <a:fld id="{17E7ED52-31D9-4B95-87DC-28B7C8CCE90D}" type="datetimeFigureOut">
               <a:rPr lang="ko-KR" altLang="en-US" smtClean="0"/>
-              <a:t>2022-03-03</a:t>
+              <a:t>2022-03-04</a:t>
             </a:fld>
             <a:endParaRPr lang="ko-KR" altLang="en-US"/>
           </a:p>
@@ -1184,7 +1186,7 @@
           <a:p>
             <a:fld id="{17E7ED52-31D9-4B95-87DC-28B7C8CCE90D}" type="datetimeFigureOut">
               <a:rPr lang="ko-KR" altLang="en-US" smtClean="0"/>
-              <a:t>2022-03-03</a:t>
+              <a:t>2022-03-04</a:t>
             </a:fld>
             <a:endParaRPr lang="ko-KR" altLang="en-US"/>
           </a:p>
@@ -1354,7 +1356,7 @@
           <a:p>
             <a:fld id="{17E7ED52-31D9-4B95-87DC-28B7C8CCE90D}" type="datetimeFigureOut">
               <a:rPr lang="ko-KR" altLang="en-US" smtClean="0"/>
-              <a:t>2022-03-03</a:t>
+              <a:t>2022-03-04</a:t>
             </a:fld>
             <a:endParaRPr lang="ko-KR" altLang="en-US"/>
           </a:p>
@@ -1598,7 +1600,7 @@
           <a:p>
             <a:fld id="{17E7ED52-31D9-4B95-87DC-28B7C8CCE90D}" type="datetimeFigureOut">
               <a:rPr lang="ko-KR" altLang="en-US" smtClean="0"/>
-              <a:t>2022-03-03</a:t>
+              <a:t>2022-03-04</a:t>
             </a:fld>
             <a:endParaRPr lang="ko-KR" altLang="en-US"/>
           </a:p>
@@ -1830,7 +1832,7 @@
           <a:p>
             <a:fld id="{17E7ED52-31D9-4B95-87DC-28B7C8CCE90D}" type="datetimeFigureOut">
               <a:rPr lang="ko-KR" altLang="en-US" smtClean="0"/>
-              <a:t>2022-03-03</a:t>
+              <a:t>2022-03-04</a:t>
             </a:fld>
             <a:endParaRPr lang="ko-KR" altLang="en-US"/>
           </a:p>
@@ -2197,7 +2199,7 @@
           <a:p>
             <a:fld id="{17E7ED52-31D9-4B95-87DC-28B7C8CCE90D}" type="datetimeFigureOut">
               <a:rPr lang="ko-KR" altLang="en-US" smtClean="0"/>
-              <a:t>2022-03-03</a:t>
+              <a:t>2022-03-04</a:t>
             </a:fld>
             <a:endParaRPr lang="ko-KR" altLang="en-US"/>
           </a:p>
@@ -2315,7 +2317,7 @@
           <a:p>
             <a:fld id="{17E7ED52-31D9-4B95-87DC-28B7C8CCE90D}" type="datetimeFigureOut">
               <a:rPr lang="ko-KR" altLang="en-US" smtClean="0"/>
-              <a:t>2022-03-03</a:t>
+              <a:t>2022-03-04</a:t>
             </a:fld>
             <a:endParaRPr lang="ko-KR" altLang="en-US"/>
           </a:p>
@@ -2410,7 +2412,7 @@
           <a:p>
             <a:fld id="{17E7ED52-31D9-4B95-87DC-28B7C8CCE90D}" type="datetimeFigureOut">
               <a:rPr lang="ko-KR" altLang="en-US" smtClean="0"/>
-              <a:t>2022-03-03</a:t>
+              <a:t>2022-03-04</a:t>
             </a:fld>
             <a:endParaRPr lang="ko-KR" altLang="en-US"/>
           </a:p>
@@ -2687,7 +2689,7 @@
           <a:p>
             <a:fld id="{17E7ED52-31D9-4B95-87DC-28B7C8CCE90D}" type="datetimeFigureOut">
               <a:rPr lang="ko-KR" altLang="en-US" smtClean="0"/>
-              <a:t>2022-03-03</a:t>
+              <a:t>2022-03-04</a:t>
             </a:fld>
             <a:endParaRPr lang="ko-KR" altLang="en-US"/>
           </a:p>
@@ -2944,7 +2946,7 @@
           <a:p>
             <a:fld id="{17E7ED52-31D9-4B95-87DC-28B7C8CCE90D}" type="datetimeFigureOut">
               <a:rPr lang="ko-KR" altLang="en-US" smtClean="0"/>
-              <a:t>2022-03-03</a:t>
+              <a:t>2022-03-04</a:t>
             </a:fld>
             <a:endParaRPr lang="ko-KR" altLang="en-US"/>
           </a:p>
@@ -3157,7 +3159,7 @@
           <a:p>
             <a:fld id="{17E7ED52-31D9-4B95-87DC-28B7C8CCE90D}" type="datetimeFigureOut">
               <a:rPr lang="ko-KR" altLang="en-US" smtClean="0"/>
-              <a:t>2022-03-03</a:t>
+              <a:t>2022-03-04</a:t>
             </a:fld>
             <a:endParaRPr lang="ko-KR" altLang="en-US"/>
           </a:p>
@@ -3830,6 +3832,16 @@
 <file path=ppt/slides/slide10.xml><?xml version="1.0" encoding="utf-8"?>
 <p:sld xmlns:a="http://schemas.openxmlformats.org/drawingml/2006/main" xmlns:r="http://schemas.openxmlformats.org/officeDocument/2006/relationships" xmlns:p="http://schemas.openxmlformats.org/presentationml/2006/main">
   <p:cSld>
+    <p:bg>
+      <p:bgPr>
+        <a:solidFill>
+          <a:schemeClr val="accent1">
+            <a:lumMod val="50000"/>
+          </a:schemeClr>
+        </a:solidFill>
+        <a:effectLst/>
+      </p:bgPr>
+    </p:bg>
     <p:spTree>
       <p:nvGrpSpPr>
         <p:cNvPr id="1" name=""/>
@@ -3862,28 +3874,34 @@
         </p:nvSpPr>
         <p:spPr>
           <a:xfrm>
-            <a:off x="681038" y="257014"/>
+            <a:off x="188684" y="131799"/>
             <a:ext cx="8543925" cy="1042332"/>
           </a:xfrm>
+          <a:effectLst/>
         </p:spPr>
         <p:txBody>
-          <a:bodyPr/>
+          <a:bodyPr>
+            <a:normAutofit/>
+          </a:bodyPr>
           <a:lstStyle/>
           <a:p>
             <a:r>
               <a:rPr lang="en-US" altLang="ko-KR" b="1" dirty="0">
+                <a:solidFill>
+                  <a:schemeClr val="bg1"/>
+                </a:solidFill>
                 <a:latin typeface="Montserrat" pitchFamily="2" charset="0"/>
                 <a:ea typeface="나눔스퀘어" panose="020B0600000101010101" pitchFamily="50" charset="-127"/>
               </a:rPr>
-              <a:t>Project </a:t>
-            </a:r>
-            <a:r>
-              <a:rPr lang="ko-KR" altLang="en-US" b="1" dirty="0">
-                <a:latin typeface="Montserrat" pitchFamily="2" charset="0"/>
-                <a:ea typeface="나눔스퀘어" panose="020B0600000101010101" pitchFamily="50" charset="-127"/>
-              </a:rPr>
-              <a:t>담당 기능</a:t>
-            </a:r>
+              <a:t>Takeaway</a:t>
+            </a:r>
+            <a:endParaRPr lang="ko-KR" altLang="en-US" b="1" dirty="0">
+              <a:solidFill>
+                <a:schemeClr val="bg1"/>
+              </a:solidFill>
+              <a:latin typeface="Montserrat" pitchFamily="2" charset="0"/>
+              <a:ea typeface="나눔스퀘어" panose="020B0600000101010101" pitchFamily="50" charset="-127"/>
+            </a:endParaRPr>
           </a:p>
         </p:txBody>
       </p:sp>
@@ -3909,64 +3927,580 @@
           <a:lstStyle/>
           <a:p>
             <a:r>
-              <a:rPr lang="en-US" altLang="ko-KR"/>
-              <a:t>Project Mokkozi</a:t>
-            </a:r>
-            <a:endParaRPr lang="ko-KR" altLang="en-US"/>
+              <a:rPr lang="en-US" altLang="ko-KR" dirty="0"/>
+              <a:t>Project </a:t>
+            </a:r>
+            <a:r>
+              <a:rPr lang="en-US" altLang="ko-KR" dirty="0" err="1"/>
+              <a:t>Mokkozi</a:t>
+            </a:r>
+            <a:endParaRPr lang="ko-KR" altLang="en-US" dirty="0"/>
           </a:p>
         </p:txBody>
       </p:sp>
-      <p:pic>
-        <p:nvPicPr>
-          <p:cNvPr id="3078" name="Picture 6" descr="image-20211119073622953">
+      <p:sp>
+        <p:nvSpPr>
+          <p:cNvPr id="77" name="사각형: 잘린 한쪽 모서리 76">
             <a:extLst>
               <a:ext uri="{FF2B5EF4-FFF2-40B4-BE49-F238E27FC236}">
-                <a16:creationId xmlns:a16="http://schemas.microsoft.com/office/drawing/2014/main" id="{235F88DB-6FAF-4BA2-8E96-226ABC202314}"/>
+                <a16:creationId xmlns:a16="http://schemas.microsoft.com/office/drawing/2014/main" id="{824D426C-BB03-45BE-9B39-CBC569AF1B5D}"/>
               </a:ext>
             </a:extLst>
           </p:cNvPr>
-          <p:cNvPicPr>
-            <a:picLocks noChangeAspect="1" noChangeArrowheads="1"/>
-          </p:cNvPicPr>
+          <p:cNvSpPr/>
           <p:nvPr/>
-        </p:nvPicPr>
-        <p:blipFill>
-          <a:blip r:embed="rId2">
+        </p:nvSpPr>
+        <p:spPr>
+          <a:xfrm>
+            <a:off x="129237" y="2685472"/>
+            <a:ext cx="3143214" cy="1802150"/>
+          </a:xfrm>
+          <a:prstGeom prst="snip1Rect">
+            <a:avLst/>
+          </a:prstGeom>
+          <a:solidFill>
+            <a:schemeClr val="bg1"/>
+          </a:solidFill>
+          <a:ln>
+            <a:noFill/>
+          </a:ln>
+          <a:effectLst/>
+        </p:spPr>
+        <p:style>
+          <a:lnRef idx="2">
+            <a:schemeClr val="accent1">
+              <a:shade val="50000"/>
+            </a:schemeClr>
+          </a:lnRef>
+          <a:fillRef idx="1">
+            <a:schemeClr val="accent1"/>
+          </a:fillRef>
+          <a:effectRef idx="0">
+            <a:schemeClr val="accent1"/>
+          </a:effectRef>
+          <a:fontRef idx="minor">
+            <a:schemeClr val="lt1"/>
+          </a:fontRef>
+        </p:style>
+        <p:txBody>
+          <a:bodyPr rtlCol="0" anchor="ctr"/>
+          <a:lstStyle/>
+          <a:p>
+            <a:pPr algn="ctr"/>
+            <a:r>
+              <a:rPr lang="en-US" altLang="ko-KR" b="1" dirty="0">
+                <a:solidFill>
+                  <a:schemeClr val="accent1">
+                    <a:lumMod val="50000"/>
+                  </a:schemeClr>
+                </a:solidFill>
+                <a:latin typeface="나눔스퀘어" panose="020B0600000101010101" pitchFamily="50" charset="-127"/>
+                <a:ea typeface="나눔스퀘어" panose="020B0600000101010101" pitchFamily="50" charset="-127"/>
+              </a:rPr>
+              <a:t>HTTP</a:t>
+            </a:r>
+            <a:r>
+              <a:rPr lang="ko-KR" altLang="en-US" b="1" dirty="0">
+                <a:solidFill>
+                  <a:schemeClr val="accent1">
+                    <a:lumMod val="50000"/>
+                  </a:schemeClr>
+                </a:solidFill>
+                <a:latin typeface="나눔스퀘어" panose="020B0600000101010101" pitchFamily="50" charset="-127"/>
+                <a:ea typeface="나눔스퀘어" panose="020B0600000101010101" pitchFamily="50" charset="-127"/>
+              </a:rPr>
+              <a:t>와 </a:t>
+            </a:r>
+            <a:r>
+              <a:rPr lang="en-US" altLang="ko-KR" b="1" dirty="0">
+                <a:solidFill>
+                  <a:schemeClr val="accent1">
+                    <a:lumMod val="50000"/>
+                  </a:schemeClr>
+                </a:solidFill>
+                <a:latin typeface="나눔스퀘어" panose="020B0600000101010101" pitchFamily="50" charset="-127"/>
+                <a:ea typeface="나눔스퀘어" panose="020B0600000101010101" pitchFamily="50" charset="-127"/>
+              </a:rPr>
+              <a:t>HTTPS</a:t>
+            </a:r>
+            <a:r>
+              <a:rPr lang="ko-KR" altLang="en-US" b="1" dirty="0">
+                <a:solidFill>
+                  <a:schemeClr val="accent1">
+                    <a:lumMod val="50000"/>
+                  </a:schemeClr>
+                </a:solidFill>
+                <a:latin typeface="나눔스퀘어" panose="020B0600000101010101" pitchFamily="50" charset="-127"/>
+                <a:ea typeface="나눔스퀘어" panose="020B0600000101010101" pitchFamily="50" charset="-127"/>
+              </a:rPr>
+              <a:t>의 차이</a:t>
+            </a:r>
+            <a:endParaRPr lang="en-US" altLang="ko-KR" b="1" dirty="0">
+              <a:solidFill>
+                <a:schemeClr val="accent1">
+                  <a:lumMod val="50000"/>
+                </a:schemeClr>
+              </a:solidFill>
+              <a:latin typeface="나눔스퀘어" panose="020B0600000101010101" pitchFamily="50" charset="-127"/>
+              <a:ea typeface="나눔스퀘어" panose="020B0600000101010101" pitchFamily="50" charset="-127"/>
+            </a:endParaRPr>
+          </a:p>
+          <a:p>
+            <a:pPr algn="ctr"/>
+            <a:endParaRPr lang="en-US" altLang="ko-KR" b="1" dirty="0">
+              <a:solidFill>
+                <a:schemeClr val="accent1">
+                  <a:lumMod val="50000"/>
+                </a:schemeClr>
+              </a:solidFill>
+              <a:latin typeface="나눔스퀘어" panose="020B0600000101010101" pitchFamily="50" charset="-127"/>
+              <a:ea typeface="나눔스퀘어" panose="020B0600000101010101" pitchFamily="50" charset="-127"/>
+            </a:endParaRPr>
+          </a:p>
+          <a:p>
+            <a:pPr algn="ctr"/>
+            <a:r>
+              <a:rPr lang="en-US" altLang="ko-KR" b="1" dirty="0">
+                <a:solidFill>
+                  <a:schemeClr val="accent1">
+                    <a:lumMod val="50000"/>
+                  </a:schemeClr>
+                </a:solidFill>
+                <a:latin typeface="나눔스퀘어" panose="020B0600000101010101" pitchFamily="50" charset="-127"/>
+                <a:ea typeface="나눔스퀘어" panose="020B0600000101010101" pitchFamily="50" charset="-127"/>
+              </a:rPr>
+              <a:t>SSL </a:t>
+            </a:r>
+            <a:r>
+              <a:rPr lang="ko-KR" altLang="en-US" b="1" dirty="0">
+                <a:solidFill>
+                  <a:schemeClr val="accent1">
+                    <a:lumMod val="50000"/>
+                  </a:schemeClr>
+                </a:solidFill>
+                <a:latin typeface="나눔스퀘어" panose="020B0600000101010101" pitchFamily="50" charset="-127"/>
+                <a:ea typeface="나눔스퀘어" panose="020B0600000101010101" pitchFamily="50" charset="-127"/>
+              </a:rPr>
+              <a:t>인증서의 역할</a:t>
+            </a:r>
+          </a:p>
+        </p:txBody>
+      </p:sp>
+      <p:sp>
+        <p:nvSpPr>
+          <p:cNvPr id="82" name="사각형: 잘린 한쪽 모서리 81">
             <a:extLst>
-              <a:ext uri="{28A0092B-C50C-407E-A947-70E740481C1C}">
-                <a14:useLocalDpi xmlns:a14="http://schemas.microsoft.com/office/drawing/2010/main" val="0"/>
+              <a:ext uri="{FF2B5EF4-FFF2-40B4-BE49-F238E27FC236}">
+                <a16:creationId xmlns:a16="http://schemas.microsoft.com/office/drawing/2014/main" id="{EC5C38B5-F944-45E5-8E95-081EA4BF27BF}"/>
               </a:ext>
             </a:extLst>
-          </a:blip>
-          <a:srcRect/>
-          <a:stretch>
-            <a:fillRect/>
-          </a:stretch>
-        </p:blipFill>
-        <p:spPr bwMode="auto">
+          </p:cNvPr>
+          <p:cNvSpPr/>
+          <p:nvPr/>
+        </p:nvSpPr>
+        <p:spPr>
           <a:xfrm>
-            <a:off x="558944" y="1306515"/>
-            <a:ext cx="9906000" cy="5049837"/>
+            <a:off x="3381393" y="2685472"/>
+            <a:ext cx="3143214" cy="1802150"/>
           </a:xfrm>
-          <a:prstGeom prst="rect">
+          <a:prstGeom prst="snip1Rect">
             <a:avLst/>
           </a:prstGeom>
-          <a:noFill/>
-          <a:extLst>
-            <a:ext uri="{909E8E84-426E-40DD-AFC4-6F175D3DCCD1}">
-              <a14:hiddenFill xmlns:a14="http://schemas.microsoft.com/office/drawing/2010/main">
+          <a:solidFill>
+            <a:schemeClr val="bg1"/>
+          </a:solidFill>
+          <a:ln>
+            <a:noFill/>
+          </a:ln>
+          <a:effectLst/>
+        </p:spPr>
+        <p:style>
+          <a:lnRef idx="2">
+            <a:schemeClr val="accent1">
+              <a:shade val="50000"/>
+            </a:schemeClr>
+          </a:lnRef>
+          <a:fillRef idx="1">
+            <a:schemeClr val="accent1"/>
+          </a:fillRef>
+          <a:effectRef idx="0">
+            <a:schemeClr val="accent1"/>
+          </a:effectRef>
+          <a:fontRef idx="minor">
+            <a:schemeClr val="lt1"/>
+          </a:fontRef>
+        </p:style>
+        <p:txBody>
+          <a:bodyPr rtlCol="0" anchor="ctr"/>
+          <a:lstStyle/>
+          <a:p>
+            <a:pPr algn="ctr"/>
+            <a:r>
+              <a:rPr lang="en-US" altLang="ko-KR" b="1" dirty="0">
                 <a:solidFill>
-                  <a:srgbClr val="FFFFFF"/>
+                  <a:schemeClr val="accent1">
+                    <a:lumMod val="50000"/>
+                  </a:schemeClr>
                 </a:solidFill>
-              </a14:hiddenFill>
-            </a:ext>
-          </a:extLst>
+                <a:latin typeface="나눔스퀘어" panose="020B0600000101010101" pitchFamily="50" charset="-127"/>
+                <a:ea typeface="나눔스퀘어" panose="020B0600000101010101" pitchFamily="50" charset="-127"/>
+              </a:rPr>
+              <a:t>Nginx</a:t>
+            </a:r>
+            <a:r>
+              <a:rPr lang="ko-KR" altLang="en-US" b="1" dirty="0">
+                <a:solidFill>
+                  <a:schemeClr val="accent1">
+                    <a:lumMod val="50000"/>
+                  </a:schemeClr>
+                </a:solidFill>
+                <a:latin typeface="나눔스퀘어" panose="020B0600000101010101" pitchFamily="50" charset="-127"/>
+                <a:ea typeface="나눔스퀘어" panose="020B0600000101010101" pitchFamily="50" charset="-127"/>
+              </a:rPr>
+              <a:t>의 역할</a:t>
+            </a:r>
+            <a:endParaRPr lang="en-US" altLang="ko-KR" b="1" dirty="0">
+              <a:solidFill>
+                <a:schemeClr val="accent1">
+                  <a:lumMod val="50000"/>
+                </a:schemeClr>
+              </a:solidFill>
+              <a:latin typeface="나눔스퀘어" panose="020B0600000101010101" pitchFamily="50" charset="-127"/>
+              <a:ea typeface="나눔스퀘어" panose="020B0600000101010101" pitchFamily="50" charset="-127"/>
+            </a:endParaRPr>
+          </a:p>
+          <a:p>
+            <a:pPr algn="ctr"/>
+            <a:endParaRPr lang="en-US" altLang="ko-KR" b="1" dirty="0">
+              <a:solidFill>
+                <a:schemeClr val="accent1">
+                  <a:lumMod val="50000"/>
+                </a:schemeClr>
+              </a:solidFill>
+              <a:latin typeface="나눔스퀘어" panose="020B0600000101010101" pitchFamily="50" charset="-127"/>
+              <a:ea typeface="나눔스퀘어" panose="020B0600000101010101" pitchFamily="50" charset="-127"/>
+            </a:endParaRPr>
+          </a:p>
+          <a:p>
+            <a:pPr algn="ctr"/>
+            <a:r>
+              <a:rPr lang="en-US" altLang="ko-KR" b="1" dirty="0">
+                <a:solidFill>
+                  <a:schemeClr val="accent1">
+                    <a:lumMod val="50000"/>
+                  </a:schemeClr>
+                </a:solidFill>
+                <a:latin typeface="나눔스퀘어" panose="020B0600000101010101" pitchFamily="50" charset="-127"/>
+                <a:ea typeface="나눔스퀘어" panose="020B0600000101010101" pitchFamily="50" charset="-127"/>
+              </a:rPr>
+              <a:t>Tomcat</a:t>
+            </a:r>
+            <a:r>
+              <a:rPr lang="ko-KR" altLang="en-US" b="1" dirty="0">
+                <a:solidFill>
+                  <a:schemeClr val="accent1">
+                    <a:lumMod val="50000"/>
+                  </a:schemeClr>
+                </a:solidFill>
+                <a:latin typeface="나눔스퀘어" panose="020B0600000101010101" pitchFamily="50" charset="-127"/>
+                <a:ea typeface="나눔스퀘어" panose="020B0600000101010101" pitchFamily="50" charset="-127"/>
+              </a:rPr>
+              <a:t>과의 차이점</a:t>
+            </a:r>
+            <a:endParaRPr lang="en-US" altLang="ko-KR" b="1" dirty="0">
+              <a:solidFill>
+                <a:schemeClr val="accent1">
+                  <a:lumMod val="50000"/>
+                </a:schemeClr>
+              </a:solidFill>
+              <a:latin typeface="나눔스퀘어" panose="020B0600000101010101" pitchFamily="50" charset="-127"/>
+              <a:ea typeface="나눔스퀘어" panose="020B0600000101010101" pitchFamily="50" charset="-127"/>
+            </a:endParaRPr>
+          </a:p>
+          <a:p>
+            <a:pPr algn="ctr"/>
+            <a:endParaRPr lang="en-US" altLang="ko-KR" b="1" dirty="0">
+              <a:solidFill>
+                <a:schemeClr val="accent1">
+                  <a:lumMod val="50000"/>
+                </a:schemeClr>
+              </a:solidFill>
+              <a:latin typeface="나눔스퀘어" panose="020B0600000101010101" pitchFamily="50" charset="-127"/>
+              <a:ea typeface="나눔스퀘어" panose="020B0600000101010101" pitchFamily="50" charset="-127"/>
+            </a:endParaRPr>
+          </a:p>
+          <a:p>
+            <a:pPr algn="ctr"/>
+            <a:r>
+              <a:rPr lang="en-US" altLang="ko-KR" b="1" dirty="0">
+                <a:solidFill>
+                  <a:schemeClr val="accent1">
+                    <a:lumMod val="50000"/>
+                  </a:schemeClr>
+                </a:solidFill>
+                <a:latin typeface="나눔스퀘어" panose="020B0600000101010101" pitchFamily="50" charset="-127"/>
+                <a:ea typeface="나눔스퀘어" panose="020B0600000101010101" pitchFamily="50" charset="-127"/>
+              </a:rPr>
+              <a:t>Reverse Proxy</a:t>
+            </a:r>
+            <a:endParaRPr lang="ko-KR" altLang="en-US" b="1" dirty="0">
+              <a:solidFill>
+                <a:schemeClr val="accent1">
+                  <a:lumMod val="50000"/>
+                </a:schemeClr>
+              </a:solidFill>
+              <a:latin typeface="나눔스퀘어" panose="020B0600000101010101" pitchFamily="50" charset="-127"/>
+              <a:ea typeface="나눔스퀘어" panose="020B0600000101010101" pitchFamily="50" charset="-127"/>
+            </a:endParaRPr>
+          </a:p>
+        </p:txBody>
+      </p:sp>
+      <p:cxnSp>
+        <p:nvCxnSpPr>
+          <p:cNvPr id="13" name="직선 연결선 12">
+            <a:extLst>
+              <a:ext uri="{FF2B5EF4-FFF2-40B4-BE49-F238E27FC236}">
+                <a16:creationId xmlns:a16="http://schemas.microsoft.com/office/drawing/2014/main" id="{B43BB43F-71E7-4644-AD61-71F4DE6C3453}"/>
+              </a:ext>
+            </a:extLst>
+          </p:cNvPr>
+          <p:cNvCxnSpPr>
+            <a:cxnSpLocks/>
+          </p:cNvCxnSpPr>
+          <p:nvPr/>
+        </p:nvCxnSpPr>
+        <p:spPr>
+          <a:xfrm>
+            <a:off x="320143" y="1048713"/>
+            <a:ext cx="9254163" cy="0"/>
+          </a:xfrm>
+          <a:prstGeom prst="line">
+            <a:avLst/>
+          </a:prstGeom>
+          <a:ln w="63500" cap="sq">
+            <a:solidFill>
+              <a:schemeClr val="bg1"/>
+            </a:solidFill>
+          </a:ln>
         </p:spPr>
-      </p:pic>
+        <p:style>
+          <a:lnRef idx="1">
+            <a:schemeClr val="accent1"/>
+          </a:lnRef>
+          <a:fillRef idx="0">
+            <a:schemeClr val="accent1"/>
+          </a:fillRef>
+          <a:effectRef idx="0">
+            <a:schemeClr val="accent1"/>
+          </a:effectRef>
+          <a:fontRef idx="minor">
+            <a:schemeClr val="tx1"/>
+          </a:fontRef>
+        </p:style>
+      </p:cxnSp>
+      <p:sp>
+        <p:nvSpPr>
+          <p:cNvPr id="12" name="사각형: 잘린 한쪽 모서리 11">
+            <a:extLst>
+              <a:ext uri="{FF2B5EF4-FFF2-40B4-BE49-F238E27FC236}">
+                <a16:creationId xmlns:a16="http://schemas.microsoft.com/office/drawing/2014/main" id="{14178F86-4C56-4F37-808D-5E1232AB861C}"/>
+              </a:ext>
+            </a:extLst>
+          </p:cNvPr>
+          <p:cNvSpPr/>
+          <p:nvPr/>
+        </p:nvSpPr>
+        <p:spPr>
+          <a:xfrm>
+            <a:off x="6622938" y="2685472"/>
+            <a:ext cx="3143214" cy="1802150"/>
+          </a:xfrm>
+          <a:prstGeom prst="snip1Rect">
+            <a:avLst/>
+          </a:prstGeom>
+          <a:solidFill>
+            <a:schemeClr val="bg1"/>
+          </a:solidFill>
+          <a:ln>
+            <a:noFill/>
+          </a:ln>
+          <a:effectLst/>
+        </p:spPr>
+        <p:style>
+          <a:lnRef idx="2">
+            <a:schemeClr val="accent1">
+              <a:shade val="50000"/>
+            </a:schemeClr>
+          </a:lnRef>
+          <a:fillRef idx="1">
+            <a:schemeClr val="accent1"/>
+          </a:fillRef>
+          <a:effectRef idx="0">
+            <a:schemeClr val="accent1"/>
+          </a:effectRef>
+          <a:fontRef idx="minor">
+            <a:schemeClr val="lt1"/>
+          </a:fontRef>
+        </p:style>
+        <p:txBody>
+          <a:bodyPr rtlCol="0" anchor="ctr"/>
+          <a:lstStyle/>
+          <a:p>
+            <a:pPr algn="ctr"/>
+            <a:r>
+              <a:rPr lang="en-US" altLang="ko-KR" b="1" dirty="0" err="1">
+                <a:solidFill>
+                  <a:schemeClr val="accent1">
+                    <a:lumMod val="50000"/>
+                  </a:schemeClr>
+                </a:solidFill>
+                <a:latin typeface="나눔스퀘어" panose="020B0600000101010101" pitchFamily="50" charset="-127"/>
+                <a:ea typeface="나눔스퀘어" panose="020B0600000101010101" pitchFamily="50" charset="-127"/>
+              </a:rPr>
+              <a:t>webRTC</a:t>
+            </a:r>
+            <a:r>
+              <a:rPr lang="ko-KR" altLang="en-US" b="1" dirty="0">
+                <a:solidFill>
+                  <a:schemeClr val="accent1">
+                    <a:lumMod val="50000"/>
+                  </a:schemeClr>
+                </a:solidFill>
+                <a:latin typeface="나눔스퀘어" panose="020B0600000101010101" pitchFamily="50" charset="-127"/>
+                <a:ea typeface="나눔스퀘어" panose="020B0600000101010101" pitchFamily="50" charset="-127"/>
+              </a:rPr>
+              <a:t>의 정의</a:t>
+            </a:r>
+            <a:endParaRPr lang="en-US" altLang="ko-KR" b="1" dirty="0">
+              <a:solidFill>
+                <a:schemeClr val="accent1">
+                  <a:lumMod val="50000"/>
+                </a:schemeClr>
+              </a:solidFill>
+              <a:latin typeface="나눔스퀘어" panose="020B0600000101010101" pitchFamily="50" charset="-127"/>
+              <a:ea typeface="나눔스퀘어" panose="020B0600000101010101" pitchFamily="50" charset="-127"/>
+            </a:endParaRPr>
+          </a:p>
+          <a:p>
+            <a:pPr algn="ctr"/>
+            <a:endParaRPr lang="en-US" altLang="ko-KR" b="1" dirty="0">
+              <a:solidFill>
+                <a:schemeClr val="accent1">
+                  <a:lumMod val="50000"/>
+                </a:schemeClr>
+              </a:solidFill>
+              <a:latin typeface="나눔스퀘어" panose="020B0600000101010101" pitchFamily="50" charset="-127"/>
+              <a:ea typeface="나눔스퀘어" panose="020B0600000101010101" pitchFamily="50" charset="-127"/>
+            </a:endParaRPr>
+          </a:p>
+          <a:p>
+            <a:pPr algn="ctr"/>
+            <a:r>
+              <a:rPr lang="en-US" altLang="ko-KR" b="1" dirty="0">
+                <a:solidFill>
+                  <a:schemeClr val="accent1">
+                    <a:lumMod val="50000"/>
+                  </a:schemeClr>
+                </a:solidFill>
+                <a:latin typeface="나눔스퀘어" panose="020B0600000101010101" pitchFamily="50" charset="-127"/>
+                <a:ea typeface="나눔스퀘어" panose="020B0600000101010101" pitchFamily="50" charset="-127"/>
+              </a:rPr>
+              <a:t>STUN</a:t>
+            </a:r>
+            <a:r>
+              <a:rPr lang="ko-KR" altLang="en-US" b="1" dirty="0">
+                <a:solidFill>
+                  <a:schemeClr val="accent1">
+                    <a:lumMod val="50000"/>
+                  </a:schemeClr>
+                </a:solidFill>
+                <a:latin typeface="나눔스퀘어" panose="020B0600000101010101" pitchFamily="50" charset="-127"/>
+                <a:ea typeface="나눔스퀘어" panose="020B0600000101010101" pitchFamily="50" charset="-127"/>
+              </a:rPr>
+              <a:t>과 </a:t>
+            </a:r>
+            <a:r>
+              <a:rPr lang="en-US" altLang="ko-KR" b="1" dirty="0">
+                <a:solidFill>
+                  <a:schemeClr val="accent1">
+                    <a:lumMod val="50000"/>
+                  </a:schemeClr>
+                </a:solidFill>
+                <a:latin typeface="나눔스퀘어" panose="020B0600000101010101" pitchFamily="50" charset="-127"/>
+                <a:ea typeface="나눔스퀘어" panose="020B0600000101010101" pitchFamily="50" charset="-127"/>
+              </a:rPr>
+              <a:t>TURN</a:t>
+            </a:r>
+          </a:p>
+          <a:p>
+            <a:pPr algn="ctr"/>
+            <a:endParaRPr lang="en-US" altLang="ko-KR" b="1" dirty="0">
+              <a:solidFill>
+                <a:schemeClr val="accent1">
+                  <a:lumMod val="50000"/>
+                </a:schemeClr>
+              </a:solidFill>
+              <a:latin typeface="나눔스퀘어" panose="020B0600000101010101" pitchFamily="50" charset="-127"/>
+              <a:ea typeface="나눔스퀘어" panose="020B0600000101010101" pitchFamily="50" charset="-127"/>
+            </a:endParaRPr>
+          </a:p>
+          <a:p>
+            <a:pPr algn="ctr"/>
+            <a:r>
+              <a:rPr lang="en-US" altLang="ko-KR" b="1" dirty="0" err="1">
+                <a:solidFill>
+                  <a:schemeClr val="accent1">
+                    <a:lumMod val="50000"/>
+                  </a:schemeClr>
+                </a:solidFill>
+                <a:latin typeface="나눔스퀘어" panose="020B0600000101010101" pitchFamily="50" charset="-127"/>
+                <a:ea typeface="나눔스퀘어" panose="020B0600000101010101" pitchFamily="50" charset="-127"/>
+              </a:rPr>
+              <a:t>Ufw</a:t>
+            </a:r>
+            <a:r>
+              <a:rPr lang="ko-KR" altLang="en-US" b="1" dirty="0">
+                <a:solidFill>
+                  <a:schemeClr val="accent1">
+                    <a:lumMod val="50000"/>
+                  </a:schemeClr>
+                </a:solidFill>
+                <a:latin typeface="나눔스퀘어" panose="020B0600000101010101" pitchFamily="50" charset="-127"/>
+                <a:ea typeface="나눔스퀘어" panose="020B0600000101010101" pitchFamily="50" charset="-127"/>
+              </a:rPr>
+              <a:t>를 활용한 </a:t>
+            </a:r>
+            <a:r>
+              <a:rPr lang="en-US" altLang="ko-KR" b="1" dirty="0">
+                <a:solidFill>
+                  <a:schemeClr val="accent1">
+                    <a:lumMod val="50000"/>
+                  </a:schemeClr>
+                </a:solidFill>
+                <a:latin typeface="나눔스퀘어" panose="020B0600000101010101" pitchFamily="50" charset="-127"/>
+                <a:ea typeface="나눔스퀘어" panose="020B0600000101010101" pitchFamily="50" charset="-127"/>
+              </a:rPr>
+              <a:t>PORT </a:t>
+            </a:r>
+            <a:r>
+              <a:rPr lang="ko-KR" altLang="en-US" b="1" dirty="0">
+                <a:solidFill>
+                  <a:schemeClr val="accent1">
+                    <a:lumMod val="50000"/>
+                  </a:schemeClr>
+                </a:solidFill>
+                <a:latin typeface="나눔스퀘어" panose="020B0600000101010101" pitchFamily="50" charset="-127"/>
+                <a:ea typeface="나눔스퀘어" panose="020B0600000101010101" pitchFamily="50" charset="-127"/>
+              </a:rPr>
+              <a:t>설정</a:t>
+            </a:r>
+          </a:p>
+        </p:txBody>
+      </p:sp>
     </p:spTree>
     <p:extLst>
       <p:ext uri="{BB962C8B-B14F-4D97-AF65-F5344CB8AC3E}">
-        <p14:creationId xmlns:p14="http://schemas.microsoft.com/office/powerpoint/2010/main" val="2740184892"/>
+        <p14:creationId xmlns:p14="http://schemas.microsoft.com/office/powerpoint/2010/main" val="2157538465"/>
       </p:ext>
     </p:extLst>
   </p:cSld>
@@ -3979,6 +4513,16 @@
 <file path=ppt/slides/slide11.xml><?xml version="1.0" encoding="utf-8"?>
 <p:sld xmlns:a="http://schemas.openxmlformats.org/drawingml/2006/main" xmlns:r="http://schemas.openxmlformats.org/officeDocument/2006/relationships" xmlns:p="http://schemas.openxmlformats.org/presentationml/2006/main">
   <p:cSld>
+    <p:bg>
+      <p:bgPr>
+        <a:solidFill>
+          <a:schemeClr val="accent1">
+            <a:lumMod val="50000"/>
+          </a:schemeClr>
+        </a:solidFill>
+        <a:effectLst/>
+      </p:bgPr>
+    </p:bg>
     <p:spTree>
       <p:nvGrpSpPr>
         <p:cNvPr id="1" name=""/>
@@ -4011,28 +4555,54 @@
         </p:nvSpPr>
         <p:spPr>
           <a:xfrm>
-            <a:off x="681038" y="257014"/>
+            <a:off x="188684" y="131799"/>
             <a:ext cx="8543925" cy="1042332"/>
           </a:xfrm>
+          <a:effectLst/>
         </p:spPr>
         <p:txBody>
-          <a:bodyPr/>
+          <a:bodyPr>
+            <a:normAutofit fontScale="90000"/>
+          </a:bodyPr>
           <a:lstStyle/>
           <a:p>
             <a:r>
-              <a:rPr lang="en-US" altLang="ko-KR" b="1" dirty="0">
-                <a:latin typeface="Montserrat" pitchFamily="2" charset="0"/>
-                <a:ea typeface="나눔스퀘어" panose="020B0600000101010101" pitchFamily="50" charset="-127"/>
-              </a:rPr>
-              <a:t>Project </a:t>
-            </a:r>
-            <a:r>
-              <a:rPr lang="ko-KR" altLang="en-US" b="1" dirty="0">
-                <a:latin typeface="Montserrat" pitchFamily="2" charset="0"/>
-                <a:ea typeface="나눔스퀘어" panose="020B0600000101010101" pitchFamily="50" charset="-127"/>
-              </a:rPr>
-              <a:t>담당 기능</a:t>
-            </a:r>
+              <a:rPr lang="en-US" altLang="ko-KR" sz="4400" b="1" dirty="0">
+                <a:solidFill>
+                  <a:schemeClr val="bg1"/>
+                </a:solidFill>
+                <a:latin typeface="나눔스퀘어" panose="020B0600000101010101" pitchFamily="50" charset="-127"/>
+                <a:ea typeface="나눔스퀘어" panose="020B0600000101010101" pitchFamily="50" charset="-127"/>
+              </a:rPr>
+              <a:t>JWT</a:t>
+            </a:r>
+            <a:r>
+              <a:rPr lang="ko-KR" altLang="en-US" sz="4400" b="1" dirty="0">
+                <a:solidFill>
+                  <a:schemeClr val="bg1"/>
+                </a:solidFill>
+                <a:latin typeface="나눔스퀘어" panose="020B0600000101010101" pitchFamily="50" charset="-127"/>
+                <a:ea typeface="나눔스퀘어" panose="020B0600000101010101" pitchFamily="50" charset="-127"/>
+              </a:rPr>
+              <a:t>를 활용한 사용자 </a:t>
+            </a:r>
+            <a:r>
+              <a:rPr lang="en-US" altLang="ko-KR" sz="4400" b="1" dirty="0">
+                <a:solidFill>
+                  <a:schemeClr val="bg1"/>
+                </a:solidFill>
+                <a:latin typeface="나눔스퀘어" panose="020B0600000101010101" pitchFamily="50" charset="-127"/>
+                <a:ea typeface="나눔스퀘어" panose="020B0600000101010101" pitchFamily="50" charset="-127"/>
+              </a:rPr>
+              <a:t>Authentication </a:t>
+            </a:r>
+            <a:endParaRPr lang="ko-KR" altLang="en-US" b="1" dirty="0">
+              <a:solidFill>
+                <a:schemeClr val="bg1"/>
+              </a:solidFill>
+              <a:latin typeface="Montserrat" pitchFamily="2" charset="0"/>
+              <a:ea typeface="나눔스퀘어" panose="020B0600000101010101" pitchFamily="50" charset="-127"/>
+            </a:endParaRPr>
           </a:p>
         </p:txBody>
       </p:sp>
@@ -4058,64 +4628,427 @@
           <a:lstStyle/>
           <a:p>
             <a:r>
-              <a:rPr lang="en-US" altLang="ko-KR"/>
-              <a:t>Project Mokkozi</a:t>
-            </a:r>
-            <a:endParaRPr lang="ko-KR" altLang="en-US"/>
+              <a:rPr lang="en-US" altLang="ko-KR" dirty="0"/>
+              <a:t>Project </a:t>
+            </a:r>
+            <a:r>
+              <a:rPr lang="en-US" altLang="ko-KR" dirty="0" err="1"/>
+              <a:t>Mokkozi</a:t>
+            </a:r>
+            <a:endParaRPr lang="ko-KR" altLang="en-US" dirty="0"/>
           </a:p>
         </p:txBody>
       </p:sp>
+      <p:cxnSp>
+        <p:nvCxnSpPr>
+          <p:cNvPr id="13" name="직선 연결선 12">
+            <a:extLst>
+              <a:ext uri="{FF2B5EF4-FFF2-40B4-BE49-F238E27FC236}">
+                <a16:creationId xmlns:a16="http://schemas.microsoft.com/office/drawing/2014/main" id="{B43BB43F-71E7-4644-AD61-71F4DE6C3453}"/>
+              </a:ext>
+            </a:extLst>
+          </p:cNvPr>
+          <p:cNvCxnSpPr>
+            <a:cxnSpLocks/>
+          </p:cNvCxnSpPr>
+          <p:nvPr/>
+        </p:nvCxnSpPr>
+        <p:spPr>
+          <a:xfrm>
+            <a:off x="320143" y="1048713"/>
+            <a:ext cx="9254163" cy="0"/>
+          </a:xfrm>
+          <a:prstGeom prst="line">
+            <a:avLst/>
+          </a:prstGeom>
+          <a:ln w="63500" cap="sq">
+            <a:solidFill>
+              <a:schemeClr val="bg1"/>
+            </a:solidFill>
+          </a:ln>
+        </p:spPr>
+        <p:style>
+          <a:lnRef idx="1">
+            <a:schemeClr val="accent1"/>
+          </a:lnRef>
+          <a:fillRef idx="0">
+            <a:schemeClr val="accent1"/>
+          </a:fillRef>
+          <a:effectRef idx="0">
+            <a:schemeClr val="accent1"/>
+          </a:effectRef>
+          <a:fontRef idx="minor">
+            <a:schemeClr val="tx1"/>
+          </a:fontRef>
+        </p:style>
+      </p:cxnSp>
       <p:pic>
         <p:nvPicPr>
-          <p:cNvPr id="3080" name="Picture 8" descr="image-20211119073459471">
+          <p:cNvPr id="14" name="그림 13">
             <a:extLst>
               <a:ext uri="{FF2B5EF4-FFF2-40B4-BE49-F238E27FC236}">
-                <a16:creationId xmlns:a16="http://schemas.microsoft.com/office/drawing/2014/main" id="{80F7ACCE-8D1B-4764-BB07-23BC1ACD5AFD}"/>
+                <a16:creationId xmlns:a16="http://schemas.microsoft.com/office/drawing/2014/main" id="{DF9B5E7D-D3B6-4AC4-97F0-BA48F7AC208E}"/>
               </a:ext>
             </a:extLst>
           </p:cNvPr>
           <p:cNvPicPr>
-            <a:picLocks noChangeAspect="1" noChangeArrowheads="1"/>
+            <a:picLocks noChangeAspect="1"/>
           </p:cNvPicPr>
           <p:nvPr/>
         </p:nvPicPr>
         <p:blipFill>
-          <a:blip r:embed="rId2">
-            <a:extLst>
-              <a:ext uri="{28A0092B-C50C-407E-A947-70E740481C1C}">
-                <a14:useLocalDpi xmlns:a14="http://schemas.microsoft.com/office/drawing/2010/main" val="0"/>
-              </a:ext>
-            </a:extLst>
-          </a:blip>
-          <a:srcRect/>
+          <a:blip r:embed="rId2"/>
           <a:stretch>
             <a:fillRect/>
           </a:stretch>
         </p:blipFill>
-        <p:spPr bwMode="auto">
+        <p:spPr>
           <a:xfrm>
-            <a:off x="337592" y="1411330"/>
-            <a:ext cx="9906000" cy="5053013"/>
+            <a:off x="934299" y="1390655"/>
+            <a:ext cx="8037401" cy="4749173"/>
           </a:xfrm>
           <a:prstGeom prst="rect">
             <a:avLst/>
           </a:prstGeom>
-          <a:noFill/>
-          <a:extLst>
-            <a:ext uri="{909E8E84-426E-40DD-AFC4-6F175D3DCCD1}">
-              <a14:hiddenFill xmlns:a14="http://schemas.microsoft.com/office/drawing/2010/main">
-                <a:solidFill>
-                  <a:srgbClr val="FFFFFF"/>
-                </a:solidFill>
-              </a14:hiddenFill>
-            </a:ext>
-          </a:extLst>
+          <a:ln w="38100">
+            <a:solidFill>
+              <a:schemeClr val="accent1">
+                <a:lumMod val="60000"/>
+                <a:lumOff val="40000"/>
+              </a:schemeClr>
+            </a:solidFill>
+          </a:ln>
         </p:spPr>
       </p:pic>
+      <p:sp>
+        <p:nvSpPr>
+          <p:cNvPr id="8" name="사각형: 둥근 모서리 7">
+            <a:extLst>
+              <a:ext uri="{FF2B5EF4-FFF2-40B4-BE49-F238E27FC236}">
+                <a16:creationId xmlns:a16="http://schemas.microsoft.com/office/drawing/2014/main" id="{D713DBCC-250E-4D95-990E-F9B3B9606591}"/>
+              </a:ext>
+            </a:extLst>
+          </p:cNvPr>
+          <p:cNvSpPr/>
+          <p:nvPr/>
+        </p:nvSpPr>
+        <p:spPr>
+          <a:xfrm>
+            <a:off x="320143" y="2805573"/>
+            <a:ext cx="2384331" cy="780597"/>
+          </a:xfrm>
+          <a:prstGeom prst="roundRect">
+            <a:avLst/>
+          </a:prstGeom>
+        </p:spPr>
+        <p:style>
+          <a:lnRef idx="2">
+            <a:schemeClr val="accent1">
+              <a:shade val="50000"/>
+            </a:schemeClr>
+          </a:lnRef>
+          <a:fillRef idx="1">
+            <a:schemeClr val="accent1"/>
+          </a:fillRef>
+          <a:effectRef idx="0">
+            <a:schemeClr val="accent1"/>
+          </a:effectRef>
+          <a:fontRef idx="minor">
+            <a:schemeClr val="lt1"/>
+          </a:fontRef>
+        </p:style>
+        <p:txBody>
+          <a:bodyPr rtlCol="0" anchor="ctr"/>
+          <a:lstStyle/>
+          <a:p>
+            <a:pPr algn="ctr"/>
+            <a:r>
+              <a:rPr lang="ko-KR" altLang="en-US" sz="1400" b="1" dirty="0"/>
+              <a:t>유효한 토큰인지  검증하는 필터를 </a:t>
+            </a:r>
+            <a:r>
+              <a:rPr lang="en-US" altLang="ko-KR" sz="1400" b="1" dirty="0"/>
+              <a:t>Spring Security</a:t>
+            </a:r>
+            <a:r>
+              <a:rPr lang="ko-KR" altLang="en-US" sz="1400" b="1" dirty="0"/>
+              <a:t>에 등록한다</a:t>
+            </a:r>
+            <a:r>
+              <a:rPr lang="en-US" altLang="ko-KR" sz="1400" b="1" dirty="0"/>
+              <a:t>.</a:t>
+            </a:r>
+            <a:endParaRPr lang="ko-KR" altLang="en-US" sz="1400" b="1" dirty="0"/>
+          </a:p>
+        </p:txBody>
+      </p:sp>
+      <p:sp>
+        <p:nvSpPr>
+          <p:cNvPr id="23" name="사각형: 둥근 모서리 22">
+            <a:extLst>
+              <a:ext uri="{FF2B5EF4-FFF2-40B4-BE49-F238E27FC236}">
+                <a16:creationId xmlns:a16="http://schemas.microsoft.com/office/drawing/2014/main" id="{5932040B-186D-4CC9-89FA-5FFD978E79B0}"/>
+              </a:ext>
+            </a:extLst>
+          </p:cNvPr>
+          <p:cNvSpPr/>
+          <p:nvPr/>
+        </p:nvSpPr>
+        <p:spPr>
+          <a:xfrm>
+            <a:off x="7349917" y="3894830"/>
+            <a:ext cx="2034708" cy="780597"/>
+          </a:xfrm>
+          <a:prstGeom prst="roundRect">
+            <a:avLst/>
+          </a:prstGeom>
+        </p:spPr>
+        <p:style>
+          <a:lnRef idx="2">
+            <a:schemeClr val="accent1">
+              <a:shade val="50000"/>
+            </a:schemeClr>
+          </a:lnRef>
+          <a:fillRef idx="1">
+            <a:schemeClr val="accent1"/>
+          </a:fillRef>
+          <a:effectRef idx="0">
+            <a:schemeClr val="accent1"/>
+          </a:effectRef>
+          <a:fontRef idx="minor">
+            <a:schemeClr val="lt1"/>
+          </a:fontRef>
+        </p:style>
+        <p:txBody>
+          <a:bodyPr rtlCol="0" anchor="ctr"/>
+          <a:lstStyle/>
+          <a:p>
+            <a:pPr algn="ctr"/>
+            <a:r>
+              <a:rPr lang="ko-KR" altLang="en-US" sz="1400" b="1" dirty="0"/>
+              <a:t>유효하다면 </a:t>
+            </a:r>
+            <a:r>
+              <a:rPr lang="en-US" altLang="ko-KR" sz="1400" b="1" dirty="0" err="1"/>
+              <a:t>SpringContext</a:t>
+            </a:r>
+            <a:r>
+              <a:rPr lang="ko-KR" altLang="en-US" sz="1400" b="1" dirty="0"/>
+              <a:t>에 인증 정보를 저장한다</a:t>
+            </a:r>
+            <a:r>
+              <a:rPr lang="en-US" altLang="ko-KR" sz="1400" b="1" dirty="0"/>
+              <a:t>.</a:t>
+            </a:r>
+            <a:endParaRPr lang="ko-KR" altLang="en-US" sz="1400" b="1" dirty="0"/>
+          </a:p>
+        </p:txBody>
+      </p:sp>
+      <p:cxnSp>
+        <p:nvCxnSpPr>
+          <p:cNvPr id="24" name="직선 화살표 연결선 23">
+            <a:extLst>
+              <a:ext uri="{FF2B5EF4-FFF2-40B4-BE49-F238E27FC236}">
+                <a16:creationId xmlns:a16="http://schemas.microsoft.com/office/drawing/2014/main" id="{94FA5618-FE94-4053-B001-5D437A611A60}"/>
+              </a:ext>
+            </a:extLst>
+          </p:cNvPr>
+          <p:cNvCxnSpPr>
+            <a:cxnSpLocks/>
+          </p:cNvCxnSpPr>
+          <p:nvPr/>
+        </p:nvCxnSpPr>
+        <p:spPr>
+          <a:xfrm>
+            <a:off x="2545975" y="5346804"/>
+            <a:ext cx="0" cy="510988"/>
+          </a:xfrm>
+          <a:prstGeom prst="straightConnector1">
+            <a:avLst/>
+          </a:prstGeom>
+          <a:ln w="38100">
+            <a:solidFill>
+              <a:srgbClr val="FF0000"/>
+            </a:solidFill>
+            <a:prstDash val="sysDash"/>
+            <a:tailEnd type="triangle"/>
+          </a:ln>
+        </p:spPr>
+        <p:style>
+          <a:lnRef idx="1">
+            <a:schemeClr val="accent1"/>
+          </a:lnRef>
+          <a:fillRef idx="0">
+            <a:schemeClr val="accent1"/>
+          </a:fillRef>
+          <a:effectRef idx="0">
+            <a:schemeClr val="accent1"/>
+          </a:effectRef>
+          <a:fontRef idx="minor">
+            <a:schemeClr val="tx1"/>
+          </a:fontRef>
+        </p:style>
+      </p:cxnSp>
+      <p:sp>
+        <p:nvSpPr>
+          <p:cNvPr id="28" name="사각형: 둥근 모서리 27">
+            <a:extLst>
+              <a:ext uri="{FF2B5EF4-FFF2-40B4-BE49-F238E27FC236}">
+                <a16:creationId xmlns:a16="http://schemas.microsoft.com/office/drawing/2014/main" id="{131A08F1-CA7C-4E32-A829-CBF624190D6A}"/>
+              </a:ext>
+            </a:extLst>
+          </p:cNvPr>
+          <p:cNvSpPr/>
+          <p:nvPr/>
+        </p:nvSpPr>
+        <p:spPr>
+          <a:xfrm>
+            <a:off x="1465868" y="5857792"/>
+            <a:ext cx="2034708" cy="780597"/>
+          </a:xfrm>
+          <a:prstGeom prst="roundRect">
+            <a:avLst/>
+          </a:prstGeom>
+        </p:spPr>
+        <p:style>
+          <a:lnRef idx="2">
+            <a:schemeClr val="accent1">
+              <a:shade val="50000"/>
+            </a:schemeClr>
+          </a:lnRef>
+          <a:fillRef idx="1">
+            <a:schemeClr val="accent1"/>
+          </a:fillRef>
+          <a:effectRef idx="0">
+            <a:schemeClr val="accent1"/>
+          </a:effectRef>
+          <a:fontRef idx="minor">
+            <a:schemeClr val="lt1"/>
+          </a:fontRef>
+        </p:style>
+        <p:txBody>
+          <a:bodyPr rtlCol="0" anchor="ctr"/>
+          <a:lstStyle/>
+          <a:p>
+            <a:pPr algn="ctr"/>
+            <a:r>
+              <a:rPr lang="ko-KR" altLang="en-US" sz="1400" b="1" dirty="0"/>
+              <a:t>유효하지 않다면 </a:t>
+            </a:r>
+            <a:endParaRPr lang="en-US" altLang="ko-KR" sz="1400" b="1" dirty="0"/>
+          </a:p>
+          <a:p>
+            <a:pPr algn="ctr"/>
+            <a:r>
+              <a:rPr lang="en-US" altLang="ko-KR" sz="1400" b="1" dirty="0"/>
+              <a:t>log </a:t>
+            </a:r>
+            <a:r>
+              <a:rPr lang="ko-KR" altLang="en-US" sz="1400" b="1" dirty="0"/>
+              <a:t>출력</a:t>
+            </a:r>
+          </a:p>
+        </p:txBody>
+      </p:sp>
+      <p:cxnSp>
+        <p:nvCxnSpPr>
+          <p:cNvPr id="30" name="연결선: 꺾임 29">
+            <a:extLst>
+              <a:ext uri="{FF2B5EF4-FFF2-40B4-BE49-F238E27FC236}">
+                <a16:creationId xmlns:a16="http://schemas.microsoft.com/office/drawing/2014/main" id="{B3FC1145-1A3C-4418-8F06-E51F0D54F72F}"/>
+              </a:ext>
+            </a:extLst>
+          </p:cNvPr>
+          <p:cNvCxnSpPr>
+            <a:cxnSpLocks/>
+            <a:endCxn id="8" idx="0"/>
+          </p:cNvCxnSpPr>
+          <p:nvPr/>
+        </p:nvCxnSpPr>
+        <p:spPr>
+          <a:xfrm rot="5400000">
+            <a:off x="1200098" y="2141011"/>
+            <a:ext cx="976773" cy="352350"/>
+          </a:xfrm>
+          <a:prstGeom prst="bentConnector3">
+            <a:avLst>
+              <a:gd name="adj1" fmla="val 50000"/>
+            </a:avLst>
+          </a:prstGeom>
+          <a:ln w="38100">
+            <a:solidFill>
+              <a:srgbClr val="FF0000"/>
+            </a:solidFill>
+            <a:prstDash val="sysDash"/>
+            <a:tailEnd type="triangle"/>
+          </a:ln>
+        </p:spPr>
+        <p:style>
+          <a:lnRef idx="1">
+            <a:schemeClr val="accent1"/>
+          </a:lnRef>
+          <a:fillRef idx="0">
+            <a:schemeClr val="accent1"/>
+          </a:fillRef>
+          <a:effectRef idx="0">
+            <a:schemeClr val="accent1"/>
+          </a:effectRef>
+          <a:fontRef idx="minor">
+            <a:schemeClr val="tx1"/>
+          </a:fontRef>
+        </p:style>
+      </p:cxnSp>
+      <p:cxnSp>
+        <p:nvCxnSpPr>
+          <p:cNvPr id="34" name="연결선: 꺾임 33">
+            <a:extLst>
+              <a:ext uri="{FF2B5EF4-FFF2-40B4-BE49-F238E27FC236}">
+                <a16:creationId xmlns:a16="http://schemas.microsoft.com/office/drawing/2014/main" id="{945EF770-6EE2-4D00-BCAA-DF84D999BD6E}"/>
+              </a:ext>
+            </a:extLst>
+          </p:cNvPr>
+          <p:cNvCxnSpPr>
+            <a:cxnSpLocks/>
+          </p:cNvCxnSpPr>
+          <p:nvPr/>
+        </p:nvCxnSpPr>
+        <p:spPr>
+          <a:xfrm flipV="1">
+            <a:off x="5325035" y="4285128"/>
+            <a:ext cx="2024882" cy="304801"/>
+          </a:xfrm>
+          <a:prstGeom prst="bentConnector3">
+            <a:avLst>
+              <a:gd name="adj1" fmla="val 50000"/>
+            </a:avLst>
+          </a:prstGeom>
+          <a:ln w="38100">
+            <a:solidFill>
+              <a:srgbClr val="FF0000"/>
+            </a:solidFill>
+            <a:prstDash val="sysDash"/>
+            <a:tailEnd type="triangle"/>
+          </a:ln>
+        </p:spPr>
+        <p:style>
+          <a:lnRef idx="1">
+            <a:schemeClr val="accent1"/>
+          </a:lnRef>
+          <a:fillRef idx="0">
+            <a:schemeClr val="accent1"/>
+          </a:fillRef>
+          <a:effectRef idx="0">
+            <a:schemeClr val="accent1"/>
+          </a:effectRef>
+          <a:fontRef idx="minor">
+            <a:schemeClr val="tx1"/>
+          </a:fontRef>
+        </p:style>
+      </p:cxnSp>
     </p:spTree>
     <p:extLst>
       <p:ext uri="{BB962C8B-B14F-4D97-AF65-F5344CB8AC3E}">
-        <p14:creationId xmlns:p14="http://schemas.microsoft.com/office/powerpoint/2010/main" val="1532250290"/>
+        <p14:creationId xmlns:p14="http://schemas.microsoft.com/office/powerpoint/2010/main" val="3942958880"/>
       </p:ext>
     </p:extLst>
   </p:cSld>
@@ -4128,6 +5061,16 @@
 <file path=ppt/slides/slide12.xml><?xml version="1.0" encoding="utf-8"?>
 <p:sld xmlns:a="http://schemas.openxmlformats.org/drawingml/2006/main" xmlns:r="http://schemas.openxmlformats.org/officeDocument/2006/relationships" xmlns:p="http://schemas.openxmlformats.org/presentationml/2006/main">
   <p:cSld>
+    <p:bg>
+      <p:bgPr>
+        <a:solidFill>
+          <a:schemeClr val="accent1">
+            <a:lumMod val="50000"/>
+          </a:schemeClr>
+        </a:solidFill>
+        <a:effectLst/>
+      </p:bgPr>
+    </p:bg>
     <p:spTree>
       <p:nvGrpSpPr>
         <p:cNvPr id="1" name=""/>
@@ -4160,22 +5103,51 @@
         </p:nvSpPr>
         <p:spPr>
           <a:xfrm>
-            <a:off x="681038" y="257014"/>
+            <a:off x="188684" y="131799"/>
             <a:ext cx="8543925" cy="1042332"/>
           </a:xfrm>
+          <a:effectLst/>
         </p:spPr>
         <p:txBody>
-          <a:bodyPr/>
+          <a:bodyPr>
+            <a:normAutofit fontScale="90000"/>
+          </a:bodyPr>
           <a:lstStyle/>
           <a:p>
             <a:r>
-              <a:rPr lang="en-US" altLang="ko-KR" b="1" dirty="0">
-                <a:latin typeface="Montserrat" pitchFamily="2" charset="0"/>
-                <a:ea typeface="나눔스퀘어" panose="020B0600000101010101" pitchFamily="50" charset="-127"/>
-              </a:rPr>
-              <a:t>Project Challenge</a:t>
+              <a:rPr lang="en-US" altLang="ko-KR" sz="4400" b="1" dirty="0">
+                <a:solidFill>
+                  <a:schemeClr val="bg1"/>
+                </a:solidFill>
+                <a:latin typeface="나눔스퀘어" panose="020B0600000101010101" pitchFamily="50" charset="-127"/>
+                <a:ea typeface="나눔스퀘어" panose="020B0600000101010101" pitchFamily="50" charset="-127"/>
+              </a:rPr>
+              <a:t>JWT</a:t>
+            </a:r>
+            <a:r>
+              <a:rPr lang="ko-KR" altLang="en-US" sz="4400" b="1" dirty="0">
+                <a:solidFill>
+                  <a:schemeClr val="bg1"/>
+                </a:solidFill>
+                <a:latin typeface="나눔스퀘어" panose="020B0600000101010101" pitchFamily="50" charset="-127"/>
+                <a:ea typeface="나눔스퀘어" panose="020B0600000101010101" pitchFamily="50" charset="-127"/>
+              </a:rPr>
+              <a:t>를 활용한 사용자 </a:t>
+            </a:r>
+            <a:r>
+              <a:rPr lang="en-US" altLang="ko-KR" sz="4400" b="1" dirty="0">
+                <a:solidFill>
+                  <a:schemeClr val="bg1"/>
+                </a:solidFill>
+                <a:latin typeface="나눔스퀘어" panose="020B0600000101010101" pitchFamily="50" charset="-127"/>
+                <a:ea typeface="나눔스퀘어" panose="020B0600000101010101" pitchFamily="50" charset="-127"/>
+              </a:rPr>
+              <a:t>Authentication </a:t>
             </a:r>
             <a:endParaRPr lang="ko-KR" altLang="en-US" b="1" dirty="0">
+              <a:solidFill>
+                <a:schemeClr val="bg1"/>
+              </a:solidFill>
               <a:latin typeface="Montserrat" pitchFamily="2" charset="0"/>
               <a:ea typeface="나눔스퀘어" panose="020B0600000101010101" pitchFamily="50" charset="-127"/>
             </a:endParaRPr>
@@ -4184,10 +5156,10 @@
       </p:sp>
       <p:sp>
         <p:nvSpPr>
-          <p:cNvPr id="7" name="바닥글 개체 틀 6">
+          <p:cNvPr id="3" name="바닥글 개체 틀 2">
             <a:extLst>
               <a:ext uri="{FF2B5EF4-FFF2-40B4-BE49-F238E27FC236}">
-                <a16:creationId xmlns:a16="http://schemas.microsoft.com/office/drawing/2014/main" id="{5DF53BE1-E6FF-47E6-991F-C33F1ABB7651}"/>
+                <a16:creationId xmlns:a16="http://schemas.microsoft.com/office/drawing/2014/main" id="{C034A663-D343-4A7F-A33F-256B20F3BA6A}"/>
               </a:ext>
             </a:extLst>
           </p:cNvPr>
@@ -4215,10 +5187,1253 @@
           </a:p>
         </p:txBody>
       </p:sp>
+      <p:cxnSp>
+        <p:nvCxnSpPr>
+          <p:cNvPr id="13" name="직선 연결선 12">
+            <a:extLst>
+              <a:ext uri="{FF2B5EF4-FFF2-40B4-BE49-F238E27FC236}">
+                <a16:creationId xmlns:a16="http://schemas.microsoft.com/office/drawing/2014/main" id="{B43BB43F-71E7-4644-AD61-71F4DE6C3453}"/>
+              </a:ext>
+            </a:extLst>
+          </p:cNvPr>
+          <p:cNvCxnSpPr>
+            <a:cxnSpLocks/>
+          </p:cNvCxnSpPr>
+          <p:nvPr/>
+        </p:nvCxnSpPr>
+        <p:spPr>
+          <a:xfrm>
+            <a:off x="320143" y="1048713"/>
+            <a:ext cx="9254163" cy="0"/>
+          </a:xfrm>
+          <a:prstGeom prst="line">
+            <a:avLst/>
+          </a:prstGeom>
+          <a:ln w="63500" cap="sq">
+            <a:solidFill>
+              <a:schemeClr val="bg1"/>
+            </a:solidFill>
+          </a:ln>
+        </p:spPr>
+        <p:style>
+          <a:lnRef idx="1">
+            <a:schemeClr val="accent1"/>
+          </a:lnRef>
+          <a:fillRef idx="0">
+            <a:schemeClr val="accent1"/>
+          </a:fillRef>
+          <a:effectRef idx="0">
+            <a:schemeClr val="accent1"/>
+          </a:effectRef>
+          <a:fontRef idx="minor">
+            <a:schemeClr val="tx1"/>
+          </a:fontRef>
+        </p:style>
+      </p:cxnSp>
+      <p:pic>
+        <p:nvPicPr>
+          <p:cNvPr id="11" name="그림 10">
+            <a:extLst>
+              <a:ext uri="{FF2B5EF4-FFF2-40B4-BE49-F238E27FC236}">
+                <a16:creationId xmlns:a16="http://schemas.microsoft.com/office/drawing/2014/main" id="{993B8BEA-40FF-470C-9D80-DEA6FAB98283}"/>
+              </a:ext>
+            </a:extLst>
+          </p:cNvPr>
+          <p:cNvPicPr>
+            <a:picLocks noChangeAspect="1"/>
+          </p:cNvPicPr>
+          <p:nvPr/>
+        </p:nvPicPr>
+        <p:blipFill>
+          <a:blip r:embed="rId2"/>
+          <a:stretch>
+            <a:fillRect/>
+          </a:stretch>
+        </p:blipFill>
+        <p:spPr>
+          <a:xfrm>
+            <a:off x="1030250" y="1392927"/>
+            <a:ext cx="7845499" cy="4744629"/>
+          </a:xfrm>
+          <a:prstGeom prst="rect">
+            <a:avLst/>
+          </a:prstGeom>
+          <a:ln w="38100">
+            <a:solidFill>
+              <a:schemeClr val="accent1">
+                <a:lumMod val="60000"/>
+                <a:lumOff val="40000"/>
+              </a:schemeClr>
+            </a:solidFill>
+          </a:ln>
+        </p:spPr>
+      </p:pic>
+      <p:cxnSp>
+        <p:nvCxnSpPr>
+          <p:cNvPr id="6" name="연결선: 꺾임 5">
+            <a:extLst>
+              <a:ext uri="{FF2B5EF4-FFF2-40B4-BE49-F238E27FC236}">
+                <a16:creationId xmlns:a16="http://schemas.microsoft.com/office/drawing/2014/main" id="{D8786CA5-1A0E-4206-B0DB-BBE4F42BF991}"/>
+              </a:ext>
+            </a:extLst>
+          </p:cNvPr>
+          <p:cNvCxnSpPr>
+            <a:cxnSpLocks/>
+            <a:endCxn id="8" idx="0"/>
+          </p:cNvCxnSpPr>
+          <p:nvPr/>
+        </p:nvCxnSpPr>
+        <p:spPr>
+          <a:xfrm rot="5400000">
+            <a:off x="1735354" y="4055570"/>
+            <a:ext cx="715534" cy="511264"/>
+          </a:xfrm>
+          <a:prstGeom prst="bentConnector3">
+            <a:avLst>
+              <a:gd name="adj1" fmla="val 50000"/>
+            </a:avLst>
+          </a:prstGeom>
+          <a:ln w="38100">
+            <a:solidFill>
+              <a:srgbClr val="FF0000"/>
+            </a:solidFill>
+            <a:prstDash val="sysDash"/>
+            <a:tailEnd type="triangle"/>
+          </a:ln>
+        </p:spPr>
+        <p:style>
+          <a:lnRef idx="1">
+            <a:schemeClr val="accent1"/>
+          </a:lnRef>
+          <a:fillRef idx="0">
+            <a:schemeClr val="accent1"/>
+          </a:fillRef>
+          <a:effectRef idx="0">
+            <a:schemeClr val="accent1"/>
+          </a:effectRef>
+          <a:fontRef idx="minor">
+            <a:schemeClr val="tx1"/>
+          </a:fontRef>
+        </p:style>
+      </p:cxnSp>
+      <p:sp>
+        <p:nvSpPr>
+          <p:cNvPr id="8" name="사각형: 둥근 모서리 7">
+            <a:extLst>
+              <a:ext uri="{FF2B5EF4-FFF2-40B4-BE49-F238E27FC236}">
+                <a16:creationId xmlns:a16="http://schemas.microsoft.com/office/drawing/2014/main" id="{D713DBCC-250E-4D95-990E-F9B3B9606591}"/>
+              </a:ext>
+            </a:extLst>
+          </p:cNvPr>
+          <p:cNvSpPr/>
+          <p:nvPr/>
+        </p:nvSpPr>
+        <p:spPr>
+          <a:xfrm>
+            <a:off x="716348" y="4668969"/>
+            <a:ext cx="2242282" cy="1857337"/>
+          </a:xfrm>
+          <a:prstGeom prst="roundRect">
+            <a:avLst/>
+          </a:prstGeom>
+        </p:spPr>
+        <p:style>
+          <a:lnRef idx="2">
+            <a:schemeClr val="accent1">
+              <a:shade val="50000"/>
+            </a:schemeClr>
+          </a:lnRef>
+          <a:fillRef idx="1">
+            <a:schemeClr val="accent1"/>
+          </a:fillRef>
+          <a:effectRef idx="0">
+            <a:schemeClr val="accent1"/>
+          </a:effectRef>
+          <a:fontRef idx="minor">
+            <a:schemeClr val="lt1"/>
+          </a:fontRef>
+        </p:style>
+        <p:txBody>
+          <a:bodyPr rtlCol="0" anchor="ctr"/>
+          <a:lstStyle/>
+          <a:p>
+            <a:r>
+              <a:rPr lang="en-US" altLang="ko-KR" sz="1400" b="1" dirty="0" err="1"/>
+              <a:t>Jwt</a:t>
+            </a:r>
+            <a:r>
+              <a:rPr lang="en-US" altLang="ko-KR" sz="1400" b="1" dirty="0"/>
+              <a:t> </a:t>
+            </a:r>
+            <a:r>
+              <a:rPr lang="ko-KR" altLang="en-US" sz="1400" b="1" dirty="0"/>
+              <a:t>라이브러리 통해</a:t>
+            </a:r>
+            <a:endParaRPr lang="en-US" altLang="ko-KR" sz="1400" b="1" dirty="0"/>
+          </a:p>
+          <a:p>
+            <a:r>
+              <a:rPr lang="en-US" altLang="ko-KR" sz="1400" b="1" dirty="0"/>
+              <a:t>- </a:t>
+            </a:r>
+            <a:r>
+              <a:rPr lang="ko-KR" altLang="en-US" sz="1400" b="1" dirty="0"/>
+              <a:t>토큰의 권한 정보</a:t>
+            </a:r>
+            <a:endParaRPr lang="en-US" altLang="ko-KR" sz="1400" b="1" dirty="0"/>
+          </a:p>
+          <a:p>
+            <a:r>
+              <a:rPr lang="en-US" altLang="ko-KR" sz="1400" b="1" dirty="0"/>
+              <a:t>- </a:t>
+            </a:r>
+            <a:r>
+              <a:rPr lang="ko-KR" altLang="en-US" sz="1400" b="1" dirty="0"/>
+              <a:t>토큰의 생성일</a:t>
+            </a:r>
+            <a:endParaRPr lang="en-US" altLang="ko-KR" sz="1400" b="1" dirty="0"/>
+          </a:p>
+          <a:p>
+            <a:r>
+              <a:rPr lang="en-US" altLang="ko-KR" sz="1400" b="1" dirty="0"/>
+              <a:t>- </a:t>
+            </a:r>
+            <a:r>
+              <a:rPr lang="ko-KR" altLang="en-US" sz="1400" b="1" dirty="0"/>
+              <a:t>서명 정보</a:t>
+            </a:r>
+            <a:endParaRPr lang="en-US" altLang="ko-KR" sz="1400" b="1" dirty="0"/>
+          </a:p>
+          <a:p>
+            <a:r>
+              <a:rPr lang="en-US" altLang="ko-KR" sz="1400" b="1" dirty="0"/>
+              <a:t>- </a:t>
+            </a:r>
+            <a:r>
+              <a:rPr lang="ko-KR" altLang="en-US" sz="1400" b="1" dirty="0"/>
+              <a:t>만료일</a:t>
+            </a:r>
+            <a:endParaRPr lang="en-US" altLang="ko-KR" sz="1400" b="1" dirty="0"/>
+          </a:p>
+          <a:p>
+            <a:r>
+              <a:rPr lang="ko-KR" altLang="en-US" sz="1400" b="1" dirty="0"/>
+              <a:t>등을 토큰 내부에 저장</a:t>
+            </a:r>
+            <a:endParaRPr lang="en-US" altLang="ko-KR" sz="1400" b="1" dirty="0"/>
+          </a:p>
+        </p:txBody>
+      </p:sp>
+      <p:sp>
+        <p:nvSpPr>
+          <p:cNvPr id="24" name="직사각형 23">
+            <a:extLst>
+              <a:ext uri="{FF2B5EF4-FFF2-40B4-BE49-F238E27FC236}">
+                <a16:creationId xmlns:a16="http://schemas.microsoft.com/office/drawing/2014/main" id="{8BFDEB14-7CAF-4168-BA79-D85D2F6B6ED8}"/>
+              </a:ext>
+            </a:extLst>
+          </p:cNvPr>
+          <p:cNvSpPr/>
+          <p:nvPr/>
+        </p:nvSpPr>
+        <p:spPr>
+          <a:xfrm>
+            <a:off x="1586753" y="2707341"/>
+            <a:ext cx="4007224" cy="817259"/>
+          </a:xfrm>
+          <a:prstGeom prst="rect">
+            <a:avLst/>
+          </a:prstGeom>
+          <a:noFill/>
+          <a:ln w="38100">
+            <a:solidFill>
+              <a:srgbClr val="FF0000"/>
+            </a:solidFill>
+            <a:prstDash val="sysDash"/>
+          </a:ln>
+        </p:spPr>
+        <p:style>
+          <a:lnRef idx="2">
+            <a:schemeClr val="accent1">
+              <a:shade val="50000"/>
+            </a:schemeClr>
+          </a:lnRef>
+          <a:fillRef idx="1">
+            <a:schemeClr val="accent1"/>
+          </a:fillRef>
+          <a:effectRef idx="0">
+            <a:schemeClr val="accent1"/>
+          </a:effectRef>
+          <a:fontRef idx="minor">
+            <a:schemeClr val="lt1"/>
+          </a:fontRef>
+        </p:style>
+        <p:txBody>
+          <a:bodyPr rtlCol="0" anchor="ctr"/>
+          <a:lstStyle/>
+          <a:p>
+            <a:pPr algn="ctr"/>
+            <a:endParaRPr lang="ko-KR" altLang="en-US"/>
+          </a:p>
+        </p:txBody>
+      </p:sp>
+      <p:sp>
+        <p:nvSpPr>
+          <p:cNvPr id="27" name="사각형: 둥근 모서리 26">
+            <a:extLst>
+              <a:ext uri="{FF2B5EF4-FFF2-40B4-BE49-F238E27FC236}">
+                <a16:creationId xmlns:a16="http://schemas.microsoft.com/office/drawing/2014/main" id="{3ECB6739-B97C-4505-8BBB-B88C3D0DBE87}"/>
+              </a:ext>
+            </a:extLst>
+          </p:cNvPr>
+          <p:cNvSpPr/>
+          <p:nvPr/>
+        </p:nvSpPr>
+        <p:spPr>
+          <a:xfrm>
+            <a:off x="5700447" y="2949819"/>
+            <a:ext cx="2034708" cy="530995"/>
+          </a:xfrm>
+          <a:prstGeom prst="roundRect">
+            <a:avLst/>
+          </a:prstGeom>
+          <a:ln>
+            <a:noFill/>
+          </a:ln>
+        </p:spPr>
+        <p:style>
+          <a:lnRef idx="2">
+            <a:schemeClr val="accent1">
+              <a:shade val="50000"/>
+            </a:schemeClr>
+          </a:lnRef>
+          <a:fillRef idx="1">
+            <a:schemeClr val="accent1"/>
+          </a:fillRef>
+          <a:effectRef idx="0">
+            <a:schemeClr val="accent1"/>
+          </a:effectRef>
+          <a:fontRef idx="minor">
+            <a:schemeClr val="lt1"/>
+          </a:fontRef>
+        </p:style>
+        <p:txBody>
+          <a:bodyPr rtlCol="0" anchor="ctr"/>
+          <a:lstStyle/>
+          <a:p>
+            <a:pPr algn="ctr"/>
+            <a:r>
+              <a:rPr lang="ko-KR" altLang="en-US" sz="1400" b="1" dirty="0"/>
+              <a:t>토큰의 유효기한 설정</a:t>
+            </a:r>
+          </a:p>
+        </p:txBody>
+      </p:sp>
     </p:spTree>
     <p:extLst>
       <p:ext uri="{BB962C8B-B14F-4D97-AF65-F5344CB8AC3E}">
-        <p14:creationId xmlns:p14="http://schemas.microsoft.com/office/powerpoint/2010/main" val="1206425773"/>
+        <p14:creationId xmlns:p14="http://schemas.microsoft.com/office/powerpoint/2010/main" val="1937695673"/>
+      </p:ext>
+    </p:extLst>
+  </p:cSld>
+  <p:clrMapOvr>
+    <a:masterClrMapping/>
+  </p:clrMapOvr>
+</p:sld>
+</file>
+
+<file path=ppt/slides/slide13.xml><?xml version="1.0" encoding="utf-8"?>
+<p:sld xmlns:a="http://schemas.openxmlformats.org/drawingml/2006/main" xmlns:r="http://schemas.openxmlformats.org/officeDocument/2006/relationships" xmlns:p="http://schemas.openxmlformats.org/presentationml/2006/main">
+  <p:cSld>
+    <p:bg>
+      <p:bgPr>
+        <a:solidFill>
+          <a:schemeClr val="accent1">
+            <a:lumMod val="50000"/>
+          </a:schemeClr>
+        </a:solidFill>
+        <a:effectLst/>
+      </p:bgPr>
+    </p:bg>
+    <p:spTree>
+      <p:nvGrpSpPr>
+        <p:cNvPr id="1" name=""/>
+        <p:cNvGrpSpPr/>
+        <p:nvPr/>
+      </p:nvGrpSpPr>
+      <p:grpSpPr>
+        <a:xfrm>
+          <a:off x="0" y="0"/>
+          <a:ext cx="0" cy="0"/>
+          <a:chOff x="0" y="0"/>
+          <a:chExt cx="0" cy="0"/>
+        </a:xfrm>
+      </p:grpSpPr>
+      <p:sp>
+        <p:nvSpPr>
+          <p:cNvPr id="2" name="제목 1">
+            <a:extLst>
+              <a:ext uri="{FF2B5EF4-FFF2-40B4-BE49-F238E27FC236}">
+                <a16:creationId xmlns:a16="http://schemas.microsoft.com/office/drawing/2014/main" id="{EAF3E95A-3E5B-45DE-BB65-EFB8686D2E4D}"/>
+              </a:ext>
+            </a:extLst>
+          </p:cNvPr>
+          <p:cNvSpPr>
+            <a:spLocks noGrp="1"/>
+          </p:cNvSpPr>
+          <p:nvPr>
+            <p:ph type="title"/>
+          </p:nvPr>
+        </p:nvSpPr>
+        <p:spPr>
+          <a:xfrm>
+            <a:off x="188684" y="131799"/>
+            <a:ext cx="8543925" cy="1042332"/>
+          </a:xfrm>
+          <a:effectLst/>
+        </p:spPr>
+        <p:txBody>
+          <a:bodyPr>
+            <a:normAutofit/>
+          </a:bodyPr>
+          <a:lstStyle/>
+          <a:p>
+            <a:r>
+              <a:rPr lang="en-US" altLang="ko-KR" b="1" dirty="0">
+                <a:solidFill>
+                  <a:schemeClr val="bg1"/>
+                </a:solidFill>
+                <a:latin typeface="Montserrat" pitchFamily="2" charset="0"/>
+                <a:ea typeface="나눔스퀘어" panose="020B0600000101010101" pitchFamily="50" charset="-127"/>
+              </a:rPr>
+              <a:t>Takeaway</a:t>
+            </a:r>
+            <a:endParaRPr lang="ko-KR" altLang="en-US" b="1" dirty="0">
+              <a:solidFill>
+                <a:schemeClr val="bg1"/>
+              </a:solidFill>
+              <a:latin typeface="Montserrat" pitchFamily="2" charset="0"/>
+              <a:ea typeface="나눔스퀘어" panose="020B0600000101010101" pitchFamily="50" charset="-127"/>
+            </a:endParaRPr>
+          </a:p>
+        </p:txBody>
+      </p:sp>
+      <p:sp>
+        <p:nvSpPr>
+          <p:cNvPr id="3" name="바닥글 개체 틀 2">
+            <a:extLst>
+              <a:ext uri="{FF2B5EF4-FFF2-40B4-BE49-F238E27FC236}">
+                <a16:creationId xmlns:a16="http://schemas.microsoft.com/office/drawing/2014/main" id="{C034A663-D343-4A7F-A33F-256B20F3BA6A}"/>
+              </a:ext>
+            </a:extLst>
+          </p:cNvPr>
+          <p:cNvSpPr>
+            <a:spLocks noGrp="1"/>
+          </p:cNvSpPr>
+          <p:nvPr>
+            <p:ph type="ftr" sz="quarter" idx="11"/>
+          </p:nvPr>
+        </p:nvSpPr>
+        <p:spPr/>
+        <p:txBody>
+          <a:bodyPr/>
+          <a:lstStyle/>
+          <a:p>
+            <a:r>
+              <a:rPr lang="en-US" altLang="ko-KR" dirty="0"/>
+              <a:t>Project </a:t>
+            </a:r>
+            <a:r>
+              <a:rPr lang="en-US" altLang="ko-KR" dirty="0" err="1"/>
+              <a:t>Mokkozi</a:t>
+            </a:r>
+            <a:endParaRPr lang="ko-KR" altLang="en-US" dirty="0"/>
+          </a:p>
+        </p:txBody>
+      </p:sp>
+      <p:sp>
+        <p:nvSpPr>
+          <p:cNvPr id="77" name="사각형: 잘린 한쪽 모서리 76">
+            <a:extLst>
+              <a:ext uri="{FF2B5EF4-FFF2-40B4-BE49-F238E27FC236}">
+                <a16:creationId xmlns:a16="http://schemas.microsoft.com/office/drawing/2014/main" id="{824D426C-BB03-45BE-9B39-CBC569AF1B5D}"/>
+              </a:ext>
+            </a:extLst>
+          </p:cNvPr>
+          <p:cNvSpPr/>
+          <p:nvPr/>
+        </p:nvSpPr>
+        <p:spPr>
+          <a:xfrm>
+            <a:off x="129237" y="2685472"/>
+            <a:ext cx="3143214" cy="1802150"/>
+          </a:xfrm>
+          <a:prstGeom prst="snip1Rect">
+            <a:avLst/>
+          </a:prstGeom>
+          <a:solidFill>
+            <a:schemeClr val="bg1"/>
+          </a:solidFill>
+          <a:ln>
+            <a:noFill/>
+          </a:ln>
+          <a:effectLst/>
+        </p:spPr>
+        <p:style>
+          <a:lnRef idx="2">
+            <a:schemeClr val="accent1">
+              <a:shade val="50000"/>
+            </a:schemeClr>
+          </a:lnRef>
+          <a:fillRef idx="1">
+            <a:schemeClr val="accent1"/>
+          </a:fillRef>
+          <a:effectRef idx="0">
+            <a:schemeClr val="accent1"/>
+          </a:effectRef>
+          <a:fontRef idx="minor">
+            <a:schemeClr val="lt1"/>
+          </a:fontRef>
+        </p:style>
+        <p:txBody>
+          <a:bodyPr rtlCol="0" anchor="ctr"/>
+          <a:lstStyle/>
+          <a:p>
+            <a:pPr algn="ctr"/>
+            <a:r>
+              <a:rPr lang="en-US" altLang="ko-KR" sz="1800" b="1" dirty="0">
+                <a:solidFill>
+                  <a:schemeClr val="accent1">
+                    <a:lumMod val="50000"/>
+                  </a:schemeClr>
+                </a:solidFill>
+                <a:latin typeface="나눔스퀘어" panose="020B0600000101010101" pitchFamily="50" charset="-127"/>
+                <a:ea typeface="나눔스퀘어" panose="020B0600000101010101" pitchFamily="50" charset="-127"/>
+              </a:rPr>
+              <a:t>JWT</a:t>
+            </a:r>
+            <a:r>
+              <a:rPr lang="ko-KR" altLang="en-US" sz="1800" b="1" dirty="0">
+                <a:solidFill>
+                  <a:schemeClr val="accent1">
+                    <a:lumMod val="50000"/>
+                  </a:schemeClr>
+                </a:solidFill>
+                <a:latin typeface="나눔스퀘어" panose="020B0600000101010101" pitchFamily="50" charset="-127"/>
+                <a:ea typeface="나눔스퀘어" panose="020B0600000101010101" pitchFamily="50" charset="-127"/>
+              </a:rPr>
+              <a:t>를 통한 </a:t>
+            </a:r>
+            <a:r>
+              <a:rPr lang="en-US" altLang="ko-KR" sz="1800" b="1" dirty="0">
+                <a:solidFill>
+                  <a:schemeClr val="accent1">
+                    <a:lumMod val="50000"/>
+                  </a:schemeClr>
+                </a:solidFill>
+                <a:latin typeface="나눔스퀘어" panose="020B0600000101010101" pitchFamily="50" charset="-127"/>
+                <a:ea typeface="나눔스퀘어" panose="020B0600000101010101" pitchFamily="50" charset="-127"/>
+              </a:rPr>
+              <a:t>Authentication</a:t>
+            </a:r>
+            <a:r>
+              <a:rPr lang="ko-KR" altLang="en-US" sz="1800" b="1" dirty="0">
+                <a:solidFill>
+                  <a:schemeClr val="accent1">
+                    <a:lumMod val="50000"/>
+                  </a:schemeClr>
+                </a:solidFill>
+                <a:latin typeface="나눔스퀘어" panose="020B0600000101010101" pitchFamily="50" charset="-127"/>
+                <a:ea typeface="나눔스퀘어" panose="020B0600000101010101" pitchFamily="50" charset="-127"/>
+              </a:rPr>
+              <a:t>의 순서와 구조</a:t>
+            </a:r>
+            <a:endParaRPr lang="en-US" altLang="ko-KR" sz="1800" b="1" dirty="0">
+              <a:solidFill>
+                <a:schemeClr val="accent1">
+                  <a:lumMod val="50000"/>
+                </a:schemeClr>
+              </a:solidFill>
+              <a:latin typeface="나눔스퀘어" panose="020B0600000101010101" pitchFamily="50" charset="-127"/>
+              <a:ea typeface="나눔스퀘어" panose="020B0600000101010101" pitchFamily="50" charset="-127"/>
+            </a:endParaRPr>
+          </a:p>
+          <a:p>
+            <a:pPr algn="ctr"/>
+            <a:endParaRPr lang="en-US" altLang="ko-KR" b="1" dirty="0">
+              <a:solidFill>
+                <a:schemeClr val="accent1">
+                  <a:lumMod val="50000"/>
+                </a:schemeClr>
+              </a:solidFill>
+              <a:latin typeface="나눔스퀘어" panose="020B0600000101010101" pitchFamily="50" charset="-127"/>
+              <a:ea typeface="나눔스퀘어" panose="020B0600000101010101" pitchFamily="50" charset="-127"/>
+            </a:endParaRPr>
+          </a:p>
+          <a:p>
+            <a:pPr algn="ctr"/>
+            <a:r>
+              <a:rPr lang="en-US" altLang="ko-KR" b="1" dirty="0">
+                <a:solidFill>
+                  <a:schemeClr val="accent1">
+                    <a:lumMod val="50000"/>
+                  </a:schemeClr>
+                </a:solidFill>
+                <a:latin typeface="나눔스퀘어" panose="020B0600000101010101" pitchFamily="50" charset="-127"/>
+                <a:ea typeface="나눔스퀘어" panose="020B0600000101010101" pitchFamily="50" charset="-127"/>
+              </a:rPr>
+              <a:t>Filter</a:t>
+            </a:r>
+            <a:endParaRPr lang="ko-KR" altLang="en-US" b="1" dirty="0">
+              <a:solidFill>
+                <a:schemeClr val="accent1">
+                  <a:lumMod val="50000"/>
+                </a:schemeClr>
+              </a:solidFill>
+              <a:latin typeface="나눔스퀘어" panose="020B0600000101010101" pitchFamily="50" charset="-127"/>
+              <a:ea typeface="나눔스퀘어" panose="020B0600000101010101" pitchFamily="50" charset="-127"/>
+            </a:endParaRPr>
+          </a:p>
+        </p:txBody>
+      </p:sp>
+      <p:sp>
+        <p:nvSpPr>
+          <p:cNvPr id="82" name="사각형: 잘린 한쪽 모서리 81">
+            <a:extLst>
+              <a:ext uri="{FF2B5EF4-FFF2-40B4-BE49-F238E27FC236}">
+                <a16:creationId xmlns:a16="http://schemas.microsoft.com/office/drawing/2014/main" id="{EC5C38B5-F944-45E5-8E95-081EA4BF27BF}"/>
+              </a:ext>
+            </a:extLst>
+          </p:cNvPr>
+          <p:cNvSpPr/>
+          <p:nvPr/>
+        </p:nvSpPr>
+        <p:spPr>
+          <a:xfrm>
+            <a:off x="3381393" y="2685472"/>
+            <a:ext cx="3143214" cy="1802150"/>
+          </a:xfrm>
+          <a:prstGeom prst="snip1Rect">
+            <a:avLst/>
+          </a:prstGeom>
+          <a:solidFill>
+            <a:schemeClr val="bg1"/>
+          </a:solidFill>
+          <a:ln>
+            <a:noFill/>
+          </a:ln>
+          <a:effectLst/>
+        </p:spPr>
+        <p:style>
+          <a:lnRef idx="2">
+            <a:schemeClr val="accent1">
+              <a:shade val="50000"/>
+            </a:schemeClr>
+          </a:lnRef>
+          <a:fillRef idx="1">
+            <a:schemeClr val="accent1"/>
+          </a:fillRef>
+          <a:effectRef idx="0">
+            <a:schemeClr val="accent1"/>
+          </a:effectRef>
+          <a:fontRef idx="minor">
+            <a:schemeClr val="lt1"/>
+          </a:fontRef>
+        </p:style>
+        <p:txBody>
+          <a:bodyPr rtlCol="0" anchor="ctr"/>
+          <a:lstStyle/>
+          <a:p>
+            <a:pPr algn="ctr"/>
+            <a:r>
+              <a:rPr lang="en-US" altLang="ko-KR" sz="1800" b="1" dirty="0">
+                <a:solidFill>
+                  <a:schemeClr val="accent1">
+                    <a:lumMod val="50000"/>
+                  </a:schemeClr>
+                </a:solidFill>
+                <a:latin typeface="나눔스퀘어" panose="020B0600000101010101" pitchFamily="50" charset="-127"/>
+                <a:ea typeface="나눔스퀘어" panose="020B0600000101010101" pitchFamily="50" charset="-127"/>
+              </a:rPr>
+              <a:t>Spring Security</a:t>
+            </a:r>
+            <a:r>
+              <a:rPr lang="ko-KR" altLang="en-US" sz="1800" b="1" dirty="0">
+                <a:solidFill>
+                  <a:schemeClr val="accent1">
+                    <a:lumMod val="50000"/>
+                  </a:schemeClr>
+                </a:solidFill>
+                <a:latin typeface="나눔스퀘어" panose="020B0600000101010101" pitchFamily="50" charset="-127"/>
+                <a:ea typeface="나눔스퀘어" panose="020B0600000101010101" pitchFamily="50" charset="-127"/>
+              </a:rPr>
+              <a:t>의 구조</a:t>
+            </a:r>
+            <a:endParaRPr lang="ko-KR" altLang="en-US" b="1" dirty="0">
+              <a:solidFill>
+                <a:schemeClr val="accent1">
+                  <a:lumMod val="50000"/>
+                </a:schemeClr>
+              </a:solidFill>
+              <a:latin typeface="나눔스퀘어" panose="020B0600000101010101" pitchFamily="50" charset="-127"/>
+              <a:ea typeface="나눔스퀘어" panose="020B0600000101010101" pitchFamily="50" charset="-127"/>
+            </a:endParaRPr>
+          </a:p>
+        </p:txBody>
+      </p:sp>
+      <p:cxnSp>
+        <p:nvCxnSpPr>
+          <p:cNvPr id="13" name="직선 연결선 12">
+            <a:extLst>
+              <a:ext uri="{FF2B5EF4-FFF2-40B4-BE49-F238E27FC236}">
+                <a16:creationId xmlns:a16="http://schemas.microsoft.com/office/drawing/2014/main" id="{B43BB43F-71E7-4644-AD61-71F4DE6C3453}"/>
+              </a:ext>
+            </a:extLst>
+          </p:cNvPr>
+          <p:cNvCxnSpPr>
+            <a:cxnSpLocks/>
+          </p:cNvCxnSpPr>
+          <p:nvPr/>
+        </p:nvCxnSpPr>
+        <p:spPr>
+          <a:xfrm>
+            <a:off x="320143" y="1048713"/>
+            <a:ext cx="9254163" cy="0"/>
+          </a:xfrm>
+          <a:prstGeom prst="line">
+            <a:avLst/>
+          </a:prstGeom>
+          <a:ln w="63500" cap="sq">
+            <a:solidFill>
+              <a:schemeClr val="bg1"/>
+            </a:solidFill>
+          </a:ln>
+        </p:spPr>
+        <p:style>
+          <a:lnRef idx="1">
+            <a:schemeClr val="accent1"/>
+          </a:lnRef>
+          <a:fillRef idx="0">
+            <a:schemeClr val="accent1"/>
+          </a:fillRef>
+          <a:effectRef idx="0">
+            <a:schemeClr val="accent1"/>
+          </a:effectRef>
+          <a:fontRef idx="minor">
+            <a:schemeClr val="tx1"/>
+          </a:fontRef>
+        </p:style>
+      </p:cxnSp>
+      <p:sp>
+        <p:nvSpPr>
+          <p:cNvPr id="12" name="사각형: 잘린 한쪽 모서리 11">
+            <a:extLst>
+              <a:ext uri="{FF2B5EF4-FFF2-40B4-BE49-F238E27FC236}">
+                <a16:creationId xmlns:a16="http://schemas.microsoft.com/office/drawing/2014/main" id="{14178F86-4C56-4F37-808D-5E1232AB861C}"/>
+              </a:ext>
+            </a:extLst>
+          </p:cNvPr>
+          <p:cNvSpPr/>
+          <p:nvPr/>
+        </p:nvSpPr>
+        <p:spPr>
+          <a:xfrm>
+            <a:off x="6622938" y="2685472"/>
+            <a:ext cx="3143214" cy="1802150"/>
+          </a:xfrm>
+          <a:prstGeom prst="snip1Rect">
+            <a:avLst/>
+          </a:prstGeom>
+          <a:solidFill>
+            <a:schemeClr val="bg1"/>
+          </a:solidFill>
+          <a:ln>
+            <a:noFill/>
+          </a:ln>
+          <a:effectLst/>
+        </p:spPr>
+        <p:style>
+          <a:lnRef idx="2">
+            <a:schemeClr val="accent1">
+              <a:shade val="50000"/>
+            </a:schemeClr>
+          </a:lnRef>
+          <a:fillRef idx="1">
+            <a:schemeClr val="accent1"/>
+          </a:fillRef>
+          <a:effectRef idx="0">
+            <a:schemeClr val="accent1"/>
+          </a:effectRef>
+          <a:fontRef idx="minor">
+            <a:schemeClr val="lt1"/>
+          </a:fontRef>
+        </p:style>
+        <p:txBody>
+          <a:bodyPr rtlCol="0" anchor="ctr"/>
+          <a:lstStyle/>
+          <a:p>
+            <a:pPr algn="ctr"/>
+            <a:r>
+              <a:rPr lang="en-US" altLang="ko-KR" b="1" dirty="0">
+                <a:solidFill>
+                  <a:schemeClr val="accent1">
+                    <a:lumMod val="50000"/>
+                  </a:schemeClr>
+                </a:solidFill>
+                <a:latin typeface="나눔스퀘어" panose="020B0600000101010101" pitchFamily="50" charset="-127"/>
+                <a:ea typeface="나눔스퀘어" panose="020B0600000101010101" pitchFamily="50" charset="-127"/>
+              </a:rPr>
+              <a:t>Frontend </a:t>
+            </a:r>
+            <a:r>
+              <a:rPr lang="ko-KR" altLang="en-US" b="1" dirty="0">
+                <a:solidFill>
+                  <a:schemeClr val="accent1">
+                    <a:lumMod val="50000"/>
+                  </a:schemeClr>
+                </a:solidFill>
+                <a:latin typeface="나눔스퀘어" panose="020B0600000101010101" pitchFamily="50" charset="-127"/>
+                <a:ea typeface="나눔스퀘어" panose="020B0600000101010101" pitchFamily="50" charset="-127"/>
+              </a:rPr>
+              <a:t>→ </a:t>
+            </a:r>
+            <a:r>
+              <a:rPr lang="en-US" altLang="ko-KR" b="1" dirty="0">
+                <a:solidFill>
+                  <a:schemeClr val="accent1">
+                    <a:lumMod val="50000"/>
+                  </a:schemeClr>
+                </a:solidFill>
+                <a:latin typeface="나눔스퀘어" panose="020B0600000101010101" pitchFamily="50" charset="-127"/>
+                <a:ea typeface="나눔스퀘어" panose="020B0600000101010101" pitchFamily="50" charset="-127"/>
+              </a:rPr>
+              <a:t>Backend</a:t>
+            </a:r>
+            <a:r>
+              <a:rPr lang="ko-KR" altLang="en-US" b="1" dirty="0">
+                <a:solidFill>
+                  <a:schemeClr val="accent1">
+                    <a:lumMod val="50000"/>
+                  </a:schemeClr>
+                </a:solidFill>
+                <a:latin typeface="나눔스퀘어" panose="020B0600000101010101" pitchFamily="50" charset="-127"/>
+                <a:ea typeface="나눔스퀘어" panose="020B0600000101010101" pitchFamily="50" charset="-127"/>
+              </a:rPr>
+              <a:t>로 오는 데이터의 처리 순서</a:t>
+            </a:r>
+          </a:p>
+        </p:txBody>
+      </p:sp>
+    </p:spTree>
+    <p:extLst>
+      <p:ext uri="{BB962C8B-B14F-4D97-AF65-F5344CB8AC3E}">
+        <p14:creationId xmlns:p14="http://schemas.microsoft.com/office/powerpoint/2010/main" val="2929602971"/>
+      </p:ext>
+    </p:extLst>
+  </p:cSld>
+  <p:clrMapOvr>
+    <a:masterClrMapping/>
+  </p:clrMapOvr>
+</p:sld>
+</file>
+
+<file path=ppt/slides/slide14.xml><?xml version="1.0" encoding="utf-8"?>
+<p:sld xmlns:a="http://schemas.openxmlformats.org/drawingml/2006/main" xmlns:r="http://schemas.openxmlformats.org/officeDocument/2006/relationships" xmlns:p="http://schemas.openxmlformats.org/presentationml/2006/main">
+  <p:cSld>
+    <p:bg>
+      <p:bgPr>
+        <a:solidFill>
+          <a:schemeClr val="accent1">
+            <a:lumMod val="50000"/>
+          </a:schemeClr>
+        </a:solidFill>
+        <a:effectLst/>
+      </p:bgPr>
+    </p:bg>
+    <p:spTree>
+      <p:nvGrpSpPr>
+        <p:cNvPr id="1" name=""/>
+        <p:cNvGrpSpPr/>
+        <p:nvPr/>
+      </p:nvGrpSpPr>
+      <p:grpSpPr>
+        <a:xfrm>
+          <a:off x="0" y="0"/>
+          <a:ext cx="0" cy="0"/>
+          <a:chOff x="0" y="0"/>
+          <a:chExt cx="0" cy="0"/>
+        </a:xfrm>
+      </p:grpSpPr>
+      <p:sp>
+        <p:nvSpPr>
+          <p:cNvPr id="2" name="제목 1">
+            <a:extLst>
+              <a:ext uri="{FF2B5EF4-FFF2-40B4-BE49-F238E27FC236}">
+                <a16:creationId xmlns:a16="http://schemas.microsoft.com/office/drawing/2014/main" id="{EAF3E95A-3E5B-45DE-BB65-EFB8686D2E4D}"/>
+              </a:ext>
+            </a:extLst>
+          </p:cNvPr>
+          <p:cNvSpPr>
+            <a:spLocks noGrp="1"/>
+          </p:cNvSpPr>
+          <p:nvPr>
+            <p:ph type="title"/>
+          </p:nvPr>
+        </p:nvSpPr>
+        <p:spPr>
+          <a:xfrm>
+            <a:off x="188684" y="131799"/>
+            <a:ext cx="8543925" cy="1042332"/>
+          </a:xfrm>
+          <a:effectLst/>
+        </p:spPr>
+        <p:txBody>
+          <a:bodyPr>
+            <a:normAutofit/>
+          </a:bodyPr>
+          <a:lstStyle/>
+          <a:p>
+            <a:r>
+              <a:rPr lang="ko-KR" altLang="en-US" sz="4000" b="1" dirty="0">
+                <a:solidFill>
+                  <a:schemeClr val="bg1"/>
+                </a:solidFill>
+                <a:latin typeface="나눔스퀘어" panose="020B0600000101010101" pitchFamily="50" charset="-127"/>
+                <a:ea typeface="나눔스퀘어" panose="020B0600000101010101" pitchFamily="50" charset="-127"/>
+              </a:rPr>
+              <a:t>로그인 </a:t>
+            </a:r>
+            <a:r>
+              <a:rPr lang="en-US" altLang="ko-KR" sz="4000" b="1" dirty="0">
+                <a:solidFill>
+                  <a:schemeClr val="bg1"/>
+                </a:solidFill>
+                <a:latin typeface="나눔스퀘어" panose="020B0600000101010101" pitchFamily="50" charset="-127"/>
+                <a:ea typeface="나눔스퀘어" panose="020B0600000101010101" pitchFamily="50" charset="-127"/>
+              </a:rPr>
+              <a:t>&amp; </a:t>
+            </a:r>
+            <a:r>
+              <a:rPr lang="ko-KR" altLang="en-US" sz="4000" b="1" dirty="0">
+                <a:solidFill>
+                  <a:schemeClr val="bg1"/>
+                </a:solidFill>
+                <a:latin typeface="나눔스퀘어" panose="020B0600000101010101" pitchFamily="50" charset="-127"/>
+                <a:ea typeface="나눔스퀘어" panose="020B0600000101010101" pitchFamily="50" charset="-127"/>
+              </a:rPr>
+              <a:t>회원가입 페이지 구현</a:t>
+            </a:r>
+            <a:endParaRPr lang="ko-KR" altLang="en-US" sz="4000" b="1" dirty="0">
+              <a:solidFill>
+                <a:schemeClr val="bg1"/>
+              </a:solidFill>
+              <a:latin typeface="Montserrat" pitchFamily="2" charset="0"/>
+              <a:ea typeface="나눔스퀘어" panose="020B0600000101010101" pitchFamily="50" charset="-127"/>
+            </a:endParaRPr>
+          </a:p>
+        </p:txBody>
+      </p:sp>
+      <p:sp>
+        <p:nvSpPr>
+          <p:cNvPr id="3" name="바닥글 개체 틀 2">
+            <a:extLst>
+              <a:ext uri="{FF2B5EF4-FFF2-40B4-BE49-F238E27FC236}">
+                <a16:creationId xmlns:a16="http://schemas.microsoft.com/office/drawing/2014/main" id="{C034A663-D343-4A7F-A33F-256B20F3BA6A}"/>
+              </a:ext>
+            </a:extLst>
+          </p:cNvPr>
+          <p:cNvSpPr>
+            <a:spLocks noGrp="1"/>
+          </p:cNvSpPr>
+          <p:nvPr>
+            <p:ph type="ftr" sz="quarter" idx="11"/>
+          </p:nvPr>
+        </p:nvSpPr>
+        <p:spPr/>
+        <p:txBody>
+          <a:bodyPr/>
+          <a:lstStyle/>
+          <a:p>
+            <a:r>
+              <a:rPr lang="en-US" altLang="ko-KR" dirty="0"/>
+              <a:t>Project </a:t>
+            </a:r>
+            <a:r>
+              <a:rPr lang="en-US" altLang="ko-KR" dirty="0" err="1"/>
+              <a:t>Mokkozi</a:t>
+            </a:r>
+            <a:endParaRPr lang="ko-KR" altLang="en-US" dirty="0"/>
+          </a:p>
+        </p:txBody>
+      </p:sp>
+      <p:cxnSp>
+        <p:nvCxnSpPr>
+          <p:cNvPr id="13" name="직선 연결선 12">
+            <a:extLst>
+              <a:ext uri="{FF2B5EF4-FFF2-40B4-BE49-F238E27FC236}">
+                <a16:creationId xmlns:a16="http://schemas.microsoft.com/office/drawing/2014/main" id="{B43BB43F-71E7-4644-AD61-71F4DE6C3453}"/>
+              </a:ext>
+            </a:extLst>
+          </p:cNvPr>
+          <p:cNvCxnSpPr>
+            <a:cxnSpLocks/>
+          </p:cNvCxnSpPr>
+          <p:nvPr/>
+        </p:nvCxnSpPr>
+        <p:spPr>
+          <a:xfrm>
+            <a:off x="320143" y="1048713"/>
+            <a:ext cx="9254163" cy="0"/>
+          </a:xfrm>
+          <a:prstGeom prst="line">
+            <a:avLst/>
+          </a:prstGeom>
+          <a:ln w="63500" cap="sq">
+            <a:solidFill>
+              <a:schemeClr val="bg1"/>
+            </a:solidFill>
+          </a:ln>
+        </p:spPr>
+        <p:style>
+          <a:lnRef idx="1">
+            <a:schemeClr val="accent1"/>
+          </a:lnRef>
+          <a:fillRef idx="0">
+            <a:schemeClr val="accent1"/>
+          </a:fillRef>
+          <a:effectRef idx="0">
+            <a:schemeClr val="accent1"/>
+          </a:effectRef>
+          <a:fontRef idx="minor">
+            <a:schemeClr val="tx1"/>
+          </a:fontRef>
+        </p:style>
+      </p:cxnSp>
+      <p:pic>
+        <p:nvPicPr>
+          <p:cNvPr id="10" name="그림 9">
+            <a:extLst>
+              <a:ext uri="{FF2B5EF4-FFF2-40B4-BE49-F238E27FC236}">
+                <a16:creationId xmlns:a16="http://schemas.microsoft.com/office/drawing/2014/main" id="{8DE03690-1AA1-498B-BA85-4D6A30B19D95}"/>
+              </a:ext>
+            </a:extLst>
+          </p:cNvPr>
+          <p:cNvPicPr>
+            <a:picLocks noChangeAspect="1"/>
+          </p:cNvPicPr>
+          <p:nvPr/>
+        </p:nvPicPr>
+        <p:blipFill>
+          <a:blip r:embed="rId2"/>
+          <a:stretch>
+            <a:fillRect/>
+          </a:stretch>
+        </p:blipFill>
+        <p:spPr>
+          <a:xfrm>
+            <a:off x="1299881" y="1412591"/>
+            <a:ext cx="3496237" cy="4818344"/>
+          </a:xfrm>
+          <a:prstGeom prst="rect">
+            <a:avLst/>
+          </a:prstGeom>
+          <a:ln w="38100">
+            <a:solidFill>
+              <a:schemeClr val="accent1">
+                <a:lumMod val="60000"/>
+                <a:lumOff val="40000"/>
+              </a:schemeClr>
+            </a:solidFill>
+          </a:ln>
+        </p:spPr>
+      </p:pic>
+      <p:pic>
+        <p:nvPicPr>
+          <p:cNvPr id="12" name="그림 11">
+            <a:extLst>
+              <a:ext uri="{FF2B5EF4-FFF2-40B4-BE49-F238E27FC236}">
+                <a16:creationId xmlns:a16="http://schemas.microsoft.com/office/drawing/2014/main" id="{A7587A3A-0078-449F-9E8E-78A63F1CEF61}"/>
+              </a:ext>
+            </a:extLst>
+          </p:cNvPr>
+          <p:cNvPicPr>
+            <a:picLocks noChangeAspect="1"/>
+          </p:cNvPicPr>
+          <p:nvPr/>
+        </p:nvPicPr>
+        <p:blipFill>
+          <a:blip r:embed="rId3"/>
+          <a:stretch>
+            <a:fillRect/>
+          </a:stretch>
+        </p:blipFill>
+        <p:spPr>
+          <a:xfrm>
+            <a:off x="5095767" y="1414811"/>
+            <a:ext cx="3496238" cy="4790490"/>
+          </a:xfrm>
+          <a:prstGeom prst="rect">
+            <a:avLst/>
+          </a:prstGeom>
+          <a:ln w="38100">
+            <a:solidFill>
+              <a:schemeClr val="accent1">
+                <a:lumMod val="60000"/>
+                <a:lumOff val="40000"/>
+              </a:schemeClr>
+            </a:solidFill>
+          </a:ln>
+        </p:spPr>
+      </p:pic>
+      <p:cxnSp>
+        <p:nvCxnSpPr>
+          <p:cNvPr id="14" name="연결선: 꺾임 13">
+            <a:extLst>
+              <a:ext uri="{FF2B5EF4-FFF2-40B4-BE49-F238E27FC236}">
+                <a16:creationId xmlns:a16="http://schemas.microsoft.com/office/drawing/2014/main" id="{CF2E9AB8-1407-49BB-935F-0EA00FA34B20}"/>
+              </a:ext>
+            </a:extLst>
+          </p:cNvPr>
+          <p:cNvCxnSpPr>
+            <a:cxnSpLocks/>
+            <a:stCxn id="5" idx="1"/>
+            <a:endCxn id="15" idx="0"/>
+          </p:cNvCxnSpPr>
+          <p:nvPr/>
+        </p:nvCxnSpPr>
+        <p:spPr>
+          <a:xfrm rot="10800000" flipV="1">
+            <a:off x="1299882" y="3607486"/>
+            <a:ext cx="215155" cy="740477"/>
+          </a:xfrm>
+          <a:prstGeom prst="bentConnector2">
+            <a:avLst/>
+          </a:prstGeom>
+          <a:ln w="38100">
+            <a:solidFill>
+              <a:srgbClr val="FF0000"/>
+            </a:solidFill>
+            <a:prstDash val="sysDash"/>
+            <a:tailEnd type="triangle"/>
+          </a:ln>
+        </p:spPr>
+        <p:style>
+          <a:lnRef idx="1">
+            <a:schemeClr val="accent1"/>
+          </a:lnRef>
+          <a:fillRef idx="0">
+            <a:schemeClr val="accent1"/>
+          </a:fillRef>
+          <a:effectRef idx="0">
+            <a:schemeClr val="accent1"/>
+          </a:effectRef>
+          <a:fontRef idx="minor">
+            <a:schemeClr val="tx1"/>
+          </a:fontRef>
+        </p:style>
+      </p:cxnSp>
+      <p:sp>
+        <p:nvSpPr>
+          <p:cNvPr id="15" name="사각형: 둥근 모서리 14">
+            <a:extLst>
+              <a:ext uri="{FF2B5EF4-FFF2-40B4-BE49-F238E27FC236}">
+                <a16:creationId xmlns:a16="http://schemas.microsoft.com/office/drawing/2014/main" id="{92728BC2-53A3-4F78-A441-963F03DE802E}"/>
+              </a:ext>
+            </a:extLst>
+          </p:cNvPr>
+          <p:cNvSpPr/>
+          <p:nvPr/>
+        </p:nvSpPr>
+        <p:spPr>
+          <a:xfrm>
+            <a:off x="178740" y="4347964"/>
+            <a:ext cx="2242282" cy="1857337"/>
+          </a:xfrm>
+          <a:prstGeom prst="roundRect">
+            <a:avLst/>
+          </a:prstGeom>
+        </p:spPr>
+        <p:style>
+          <a:lnRef idx="2">
+            <a:schemeClr val="accent1">
+              <a:shade val="50000"/>
+            </a:schemeClr>
+          </a:lnRef>
+          <a:fillRef idx="1">
+            <a:schemeClr val="accent1"/>
+          </a:fillRef>
+          <a:effectRef idx="0">
+            <a:schemeClr val="accent1"/>
+          </a:effectRef>
+          <a:fontRef idx="minor">
+            <a:schemeClr val="lt1"/>
+          </a:fontRef>
+        </p:style>
+        <p:txBody>
+          <a:bodyPr rtlCol="0" anchor="ctr"/>
+          <a:lstStyle/>
+          <a:p>
+            <a:endParaRPr lang="en-US" altLang="ko-KR" sz="1400" b="1" dirty="0"/>
+          </a:p>
+        </p:txBody>
+      </p:sp>
+      <p:sp>
+        <p:nvSpPr>
+          <p:cNvPr id="5" name="직사각형 4">
+            <a:extLst>
+              <a:ext uri="{FF2B5EF4-FFF2-40B4-BE49-F238E27FC236}">
+                <a16:creationId xmlns:a16="http://schemas.microsoft.com/office/drawing/2014/main" id="{2F7EDEC9-86B2-4D36-BCFE-0A00DA5D13BF}"/>
+              </a:ext>
+            </a:extLst>
+          </p:cNvPr>
+          <p:cNvSpPr/>
+          <p:nvPr/>
+        </p:nvSpPr>
+        <p:spPr>
+          <a:xfrm>
+            <a:off x="1515036" y="3159252"/>
+            <a:ext cx="3030071" cy="896470"/>
+          </a:xfrm>
+          <a:prstGeom prst="rect">
+            <a:avLst/>
+          </a:prstGeom>
+          <a:noFill/>
+          <a:ln w="38100">
+            <a:solidFill>
+              <a:srgbClr val="FF0000"/>
+            </a:solidFill>
+            <a:prstDash val="sysDash"/>
+          </a:ln>
+        </p:spPr>
+        <p:style>
+          <a:lnRef idx="2">
+            <a:schemeClr val="accent1">
+              <a:shade val="50000"/>
+            </a:schemeClr>
+          </a:lnRef>
+          <a:fillRef idx="1">
+            <a:schemeClr val="accent1"/>
+          </a:fillRef>
+          <a:effectRef idx="0">
+            <a:schemeClr val="accent1"/>
+          </a:effectRef>
+          <a:fontRef idx="minor">
+            <a:schemeClr val="lt1"/>
+          </a:fontRef>
+        </p:style>
+        <p:txBody>
+          <a:bodyPr rtlCol="0" anchor="ctr"/>
+          <a:lstStyle/>
+          <a:p>
+            <a:pPr algn="ctr"/>
+            <a:endParaRPr lang="ko-KR" altLang="en-US"/>
+          </a:p>
+        </p:txBody>
+      </p:sp>
+    </p:spTree>
+    <p:extLst>
+      <p:ext uri="{BB962C8B-B14F-4D97-AF65-F5344CB8AC3E}">
+        <p14:creationId xmlns:p14="http://schemas.microsoft.com/office/powerpoint/2010/main" val="2562565461"/>
       </p:ext>
     </p:extLst>
   </p:cSld>
@@ -8763,7 +10978,7 @@
       <p:bgPr>
         <a:solidFill>
           <a:schemeClr val="accent1">
-            <a:lumMod val="75000"/>
+            <a:lumMod val="50000"/>
           </a:schemeClr>
         </a:solidFill>
         <a:effectLst/>
@@ -8801,7 +11016,7 @@
         </p:nvSpPr>
         <p:spPr>
           <a:xfrm>
-            <a:off x="681038" y="257014"/>
+            <a:off x="292613" y="257014"/>
             <a:ext cx="2788303" cy="1042332"/>
           </a:xfrm>
         </p:spPr>
@@ -8895,7 +11110,7 @@
         </p:nvSpPr>
         <p:spPr>
           <a:xfrm>
-            <a:off x="2371730" y="5433657"/>
+            <a:off x="2622742" y="5277547"/>
             <a:ext cx="6543779" cy="1323439"/>
           </a:xfrm>
           <a:prstGeom prst="rect">
@@ -8988,116 +11203,101 @@
           </a:p>
         </p:txBody>
       </p:sp>
-      <p:pic>
-        <p:nvPicPr>
-          <p:cNvPr id="1026" name="Picture 2">
+      <p:cxnSp>
+        <p:nvCxnSpPr>
+          <p:cNvPr id="8" name="직선 연결선 7">
             <a:extLst>
               <a:ext uri="{FF2B5EF4-FFF2-40B4-BE49-F238E27FC236}">
-                <a16:creationId xmlns:a16="http://schemas.microsoft.com/office/drawing/2014/main" id="{EDDD7766-AD72-4DF3-A947-2E1BC52231D8}"/>
+                <a16:creationId xmlns:a16="http://schemas.microsoft.com/office/drawing/2014/main" id="{CEC7DF12-DD0B-43AA-9448-EF3F54FD8EB3}"/>
               </a:ext>
             </a:extLst>
           </p:cNvPr>
-          <p:cNvPicPr>
-            <a:picLocks noChangeAspect="1" noChangeArrowheads="1"/>
-          </p:cNvPicPr>
+          <p:cNvCxnSpPr>
+            <a:cxnSpLocks/>
+          </p:cNvCxnSpPr>
           <p:nvPr/>
-        </p:nvPicPr>
-        <p:blipFill>
-          <a:blip r:embed="rId2">
+        </p:nvCxnSpPr>
+        <p:spPr>
+          <a:xfrm>
+            <a:off x="373931" y="1263866"/>
+            <a:ext cx="9074869" cy="0"/>
+          </a:xfrm>
+          <a:prstGeom prst="line">
+            <a:avLst/>
+          </a:prstGeom>
+          <a:ln w="63500" cap="sq">
+            <a:solidFill>
+              <a:schemeClr val="bg1"/>
+            </a:solidFill>
+          </a:ln>
+        </p:spPr>
+        <p:style>
+          <a:lnRef idx="1">
+            <a:schemeClr val="accent1"/>
+          </a:lnRef>
+          <a:fillRef idx="0">
+            <a:schemeClr val="accent1"/>
+          </a:fillRef>
+          <a:effectRef idx="0">
+            <a:schemeClr val="accent1"/>
+          </a:effectRef>
+          <a:fontRef idx="minor">
+            <a:schemeClr val="tx1"/>
+          </a:fontRef>
+        </p:style>
+      </p:cxnSp>
+      <p:sp>
+        <p:nvSpPr>
+          <p:cNvPr id="12" name="TextBox 11">
             <a:extLst>
-              <a:ext uri="{28A0092B-C50C-407E-A947-70E740481C1C}">
-                <a14:useLocalDpi xmlns:a14="http://schemas.microsoft.com/office/drawing/2010/main" val="0"/>
+              <a:ext uri="{FF2B5EF4-FFF2-40B4-BE49-F238E27FC236}">
+                <a16:creationId xmlns:a16="http://schemas.microsoft.com/office/drawing/2014/main" id="{DB827F51-1225-4290-8CAD-0C203CE86D31}"/>
               </a:ext>
             </a:extLst>
-          </a:blip>
-          <a:srcRect/>
-          <a:stretch>
-            <a:fillRect/>
-          </a:stretch>
-        </p:blipFill>
-        <p:spPr bwMode="auto">
+          </p:cNvPr>
+          <p:cNvSpPr txBox="1"/>
+          <p:nvPr/>
+        </p:nvSpPr>
+        <p:spPr>
           <a:xfrm>
-            <a:off x="4171311" y="1387894"/>
-            <a:ext cx="5282107" cy="2692689"/>
+            <a:off x="2622742" y="6600986"/>
+            <a:ext cx="6391379" cy="400110"/>
           </a:xfrm>
           <a:prstGeom prst="rect">
             <a:avLst/>
           </a:prstGeom>
           <a:noFill/>
-          <a:ln w="127000">
-            <a:solidFill>
-              <a:schemeClr val="accent4">
-                <a:lumMod val="40000"/>
-                <a:lumOff val="60000"/>
-              </a:schemeClr>
-            </a:solidFill>
-          </a:ln>
-          <a:extLst>
-            <a:ext uri="{909E8E84-426E-40DD-AFC4-6F175D3DCCD1}">
-              <a14:hiddenFill xmlns:a14="http://schemas.microsoft.com/office/drawing/2010/main">
+        </p:spPr>
+        <p:txBody>
+          <a:bodyPr wrap="square" rtlCol="0">
+            <a:spAutoFit/>
+          </a:bodyPr>
+          <a:lstStyle/>
+          <a:p>
+            <a:r>
+              <a:rPr lang="en-US" altLang="ko-KR" sz="2000" b="1" dirty="0">
                 <a:solidFill>
-                  <a:srgbClr val="FFFFFF"/>
+                  <a:schemeClr val="accent1">
+                    <a:lumMod val="50000"/>
+                  </a:schemeClr>
                 </a:solidFill>
-              </a14:hiddenFill>
-            </a:ext>
-          </a:extLst>
-        </p:spPr>
-      </p:pic>
-      <p:pic>
-        <p:nvPicPr>
-          <p:cNvPr id="1028" name="Picture 4">
-            <a:extLst>
-              <a:ext uri="{FF2B5EF4-FFF2-40B4-BE49-F238E27FC236}">
-                <a16:creationId xmlns:a16="http://schemas.microsoft.com/office/drawing/2014/main" id="{6738510A-09AC-4F8A-B93E-725E7FB49BCF}"/>
-              </a:ext>
-            </a:extLst>
-          </p:cNvPr>
-          <p:cNvPicPr>
-            <a:picLocks noChangeAspect="1" noChangeArrowheads="1"/>
-          </p:cNvPicPr>
-          <p:nvPr/>
-        </p:nvPicPr>
-        <p:blipFill>
-          <a:blip r:embed="rId3">
-            <a:extLst>
-              <a:ext uri="{28A0092B-C50C-407E-A947-70E740481C1C}">
-                <a14:useLocalDpi xmlns:a14="http://schemas.microsoft.com/office/drawing/2010/main" val="0"/>
-              </a:ext>
-            </a:extLst>
-          </a:blip>
-          <a:srcRect/>
-          <a:stretch>
-            <a:fillRect/>
-          </a:stretch>
-        </p:blipFill>
-        <p:spPr bwMode="auto">
-          <a:xfrm>
-            <a:off x="570201" y="2095647"/>
-            <a:ext cx="5356500" cy="2479748"/>
-          </a:xfrm>
-          <a:prstGeom prst="rect">
-            <a:avLst/>
-          </a:prstGeom>
-          <a:noFill/>
-          <a:ln w="127000">
-            <a:solidFill>
-              <a:schemeClr val="accent4">
-                <a:lumMod val="40000"/>
-                <a:lumOff val="60000"/>
-              </a:schemeClr>
-            </a:solidFill>
-          </a:ln>
-          <a:extLst>
-            <a:ext uri="{909E8E84-426E-40DD-AFC4-6F175D3DCCD1}">
-              <a14:hiddenFill xmlns:a14="http://schemas.microsoft.com/office/drawing/2010/main">
-                <a:solidFill>
-                  <a:srgbClr val="FFFFFF"/>
-                </a:solidFill>
-              </a14:hiddenFill>
-            </a:ext>
-          </a:extLst>
-        </p:spPr>
-      </p:pic>
+                <a:latin typeface="Montserrat" pitchFamily="2" charset="0"/>
+                <a:ea typeface="나눔스퀘어" panose="020B0600000101010101" pitchFamily="50" charset="-127"/>
+              </a:rPr>
+              <a:t>2021.10.11 ~ 2021.11.19</a:t>
+            </a:r>
+            <a:endParaRPr lang="ko-KR" altLang="en-US" sz="2000" b="1" dirty="0">
+              <a:solidFill>
+                <a:schemeClr val="accent1">
+                  <a:lumMod val="50000"/>
+                </a:schemeClr>
+              </a:solidFill>
+              <a:latin typeface="나눔스퀘어" panose="020B0600000101010101" pitchFamily="50" charset="-127"/>
+              <a:ea typeface="나눔스퀘어" panose="020B0600000101010101" pitchFamily="50" charset="-127"/>
+            </a:endParaRPr>
+          </a:p>
+        </p:txBody>
+      </p:sp>
     </p:spTree>
     <p:extLst>
       <p:ext uri="{BB962C8B-B14F-4D97-AF65-F5344CB8AC3E}">
@@ -10755,6 +12955,16 @@
 <file path=ppt/slides/slide8.xml><?xml version="1.0" encoding="utf-8"?>
 <p:sld xmlns:a="http://schemas.openxmlformats.org/drawingml/2006/main" xmlns:r="http://schemas.openxmlformats.org/officeDocument/2006/relationships" xmlns:p="http://schemas.openxmlformats.org/presentationml/2006/main">
   <p:cSld>
+    <p:bg>
+      <p:bgPr>
+        <a:solidFill>
+          <a:schemeClr val="accent1">
+            <a:lumMod val="50000"/>
+          </a:schemeClr>
+        </a:solidFill>
+        <a:effectLst/>
+      </p:bgPr>
+    </p:bg>
     <p:spTree>
       <p:nvGrpSpPr>
         <p:cNvPr id="1" name=""/>
@@ -10787,28 +12997,64 @@
         </p:nvSpPr>
         <p:spPr>
           <a:xfrm>
-            <a:off x="681038" y="257014"/>
-            <a:ext cx="8543925" cy="1042332"/>
+            <a:off x="188684" y="131799"/>
+            <a:ext cx="9397173" cy="1042332"/>
           </a:xfrm>
+          <a:effectLst/>
         </p:spPr>
         <p:txBody>
-          <a:bodyPr/>
+          <a:bodyPr>
+            <a:normAutofit/>
+          </a:bodyPr>
           <a:lstStyle/>
           <a:p>
             <a:r>
-              <a:rPr lang="en-US" altLang="ko-KR" b="1" dirty="0">
+              <a:rPr lang="en-US" altLang="ko-KR" sz="4000" b="1" dirty="0">
+                <a:solidFill>
+                  <a:schemeClr val="bg1"/>
+                </a:solidFill>
                 <a:latin typeface="Montserrat" pitchFamily="2" charset="0"/>
                 <a:ea typeface="나눔스퀘어" panose="020B0600000101010101" pitchFamily="50" charset="-127"/>
               </a:rPr>
-              <a:t>Project </a:t>
-            </a:r>
-            <a:r>
-              <a:rPr lang="ko-KR" altLang="en-US" b="1" dirty="0">
+              <a:t>Nginx</a:t>
+            </a:r>
+            <a:r>
+              <a:rPr lang="ko-KR" altLang="en-US" sz="4000" b="1" dirty="0">
+                <a:solidFill>
+                  <a:schemeClr val="bg1"/>
+                </a:solidFill>
                 <a:latin typeface="Montserrat" pitchFamily="2" charset="0"/>
                 <a:ea typeface="나눔스퀘어" panose="020B0600000101010101" pitchFamily="50" charset="-127"/>
               </a:rPr>
-              <a:t>담당 기능</a:t>
-            </a:r>
+              <a:t>를 이용한 </a:t>
+            </a:r>
+            <a:r>
+              <a:rPr lang="en-US" altLang="ko-KR" sz="4000" b="1" dirty="0" err="1">
+                <a:solidFill>
+                  <a:schemeClr val="bg1"/>
+                </a:solidFill>
+                <a:latin typeface="Montserrat" pitchFamily="2" charset="0"/>
+                <a:ea typeface="나눔스퀘어" panose="020B0600000101010101" pitchFamily="50" charset="-127"/>
+              </a:rPr>
+              <a:t>openVidu</a:t>
+            </a:r>
+            <a:r>
+              <a:rPr lang="en-US" altLang="ko-KR" sz="4000" b="1" dirty="0">
+                <a:solidFill>
+                  <a:schemeClr val="bg1"/>
+                </a:solidFill>
+                <a:latin typeface="Montserrat" pitchFamily="2" charset="0"/>
+                <a:ea typeface="나눔스퀘어" panose="020B0600000101010101" pitchFamily="50" charset="-127"/>
+              </a:rPr>
+              <a:t> build</a:t>
+            </a:r>
+            <a:endParaRPr lang="ko-KR" altLang="en-US" sz="4000" b="1" dirty="0">
+              <a:solidFill>
+                <a:schemeClr val="bg1"/>
+              </a:solidFill>
+              <a:latin typeface="Montserrat" pitchFamily="2" charset="0"/>
+              <a:ea typeface="나눔스퀘어" panose="020B0600000101010101" pitchFamily="50" charset="-127"/>
+            </a:endParaRPr>
           </a:p>
         </p:txBody>
       </p:sp>
@@ -10834,59 +13080,517 @@
           <a:lstStyle/>
           <a:p>
             <a:r>
-              <a:rPr lang="en-US" altLang="ko-KR"/>
-              <a:t>Project Mokkozi</a:t>
-            </a:r>
-            <a:endParaRPr lang="ko-KR" altLang="en-US"/>
+              <a:rPr lang="en-US" altLang="ko-KR" dirty="0"/>
+              <a:t>Project </a:t>
+            </a:r>
+            <a:r>
+              <a:rPr lang="en-US" altLang="ko-KR" dirty="0" err="1"/>
+              <a:t>Mokkozi</a:t>
+            </a:r>
+            <a:endParaRPr lang="ko-KR" altLang="en-US" dirty="0"/>
           </a:p>
         </p:txBody>
       </p:sp>
-      <p:pic>
-        <p:nvPicPr>
-          <p:cNvPr id="3076" name="Picture 4" descr="image-20211119073258724">
+      <p:sp>
+        <p:nvSpPr>
+          <p:cNvPr id="77" name="사각형: 잘린 한쪽 모서리 76">
             <a:extLst>
               <a:ext uri="{FF2B5EF4-FFF2-40B4-BE49-F238E27FC236}">
-                <a16:creationId xmlns:a16="http://schemas.microsoft.com/office/drawing/2014/main" id="{FFE4DD56-93AE-4332-91C4-1B00D8FD4696}"/>
+                <a16:creationId xmlns:a16="http://schemas.microsoft.com/office/drawing/2014/main" id="{824D426C-BB03-45BE-9B39-CBC569AF1B5D}"/>
               </a:ext>
             </a:extLst>
           </p:cNvPr>
-          <p:cNvPicPr>
-            <a:picLocks noChangeAspect="1" noChangeArrowheads="1"/>
-          </p:cNvPicPr>
+          <p:cNvSpPr/>
           <p:nvPr/>
-        </p:nvPicPr>
-        <p:blipFill>
-          <a:blip r:embed="rId2">
+        </p:nvSpPr>
+        <p:spPr>
+          <a:xfrm>
+            <a:off x="161129" y="1789001"/>
+            <a:ext cx="3223615" cy="1802150"/>
+          </a:xfrm>
+          <a:prstGeom prst="snip1Rect">
+            <a:avLst/>
+          </a:prstGeom>
+          <a:solidFill>
+            <a:schemeClr val="bg1"/>
+          </a:solidFill>
+          <a:ln>
+            <a:noFill/>
+          </a:ln>
+          <a:effectLst>
+            <a:outerShdw blurRad="50800" dist="38100" dir="2700000" algn="tl" rotWithShape="0">
+              <a:prstClr val="black">
+                <a:alpha val="40000"/>
+              </a:prstClr>
+            </a:outerShdw>
+          </a:effectLst>
+        </p:spPr>
+        <p:style>
+          <a:lnRef idx="2">
+            <a:schemeClr val="accent1">
+              <a:shade val="50000"/>
+            </a:schemeClr>
+          </a:lnRef>
+          <a:fillRef idx="1">
+            <a:schemeClr val="accent1"/>
+          </a:fillRef>
+          <a:effectRef idx="0">
+            <a:schemeClr val="accent1"/>
+          </a:effectRef>
+          <a:fontRef idx="minor">
+            <a:schemeClr val="lt1"/>
+          </a:fontRef>
+        </p:style>
+        <p:txBody>
+          <a:bodyPr rtlCol="0" anchor="ctr"/>
+          <a:lstStyle/>
+          <a:p>
+            <a:pPr algn="ctr"/>
+            <a:r>
+              <a:rPr lang="en-US" altLang="ko-KR" sz="1600" dirty="0" err="1">
+                <a:solidFill>
+                  <a:schemeClr val="accent1">
+                    <a:lumMod val="50000"/>
+                  </a:schemeClr>
+                </a:solidFill>
+                <a:latin typeface="나눔스퀘어" panose="020B0600000101010101" pitchFamily="50" charset="-127"/>
+                <a:ea typeface="나눔스퀘어" panose="020B0600000101010101" pitchFamily="50" charset="-127"/>
+              </a:rPr>
+              <a:t>openVidu</a:t>
+            </a:r>
+            <a:r>
+              <a:rPr lang="ko-KR" altLang="en-US" sz="1600" dirty="0">
+                <a:solidFill>
+                  <a:schemeClr val="accent1">
+                    <a:lumMod val="50000"/>
+                  </a:schemeClr>
+                </a:solidFill>
+                <a:latin typeface="나눔스퀘어" panose="020B0600000101010101" pitchFamily="50" charset="-127"/>
+                <a:ea typeface="나눔스퀘어" panose="020B0600000101010101" pitchFamily="50" charset="-127"/>
+              </a:rPr>
+              <a:t>는 </a:t>
+            </a:r>
+            <a:r>
+              <a:rPr lang="en-US" altLang="ko-KR" sz="1600" dirty="0">
+                <a:solidFill>
+                  <a:schemeClr val="accent1">
+                    <a:lumMod val="50000"/>
+                  </a:schemeClr>
+                </a:solidFill>
+                <a:latin typeface="나눔스퀘어" panose="020B0600000101010101" pitchFamily="50" charset="-127"/>
+                <a:ea typeface="나눔스퀘어" panose="020B0600000101010101" pitchFamily="50" charset="-127"/>
+              </a:rPr>
+              <a:t>HTTPS</a:t>
+            </a:r>
+            <a:r>
+              <a:rPr lang="ko-KR" altLang="en-US" sz="1600" dirty="0">
+                <a:solidFill>
+                  <a:schemeClr val="accent1">
+                    <a:lumMod val="50000"/>
+                  </a:schemeClr>
+                </a:solidFill>
+                <a:latin typeface="나눔스퀘어" panose="020B0600000101010101" pitchFamily="50" charset="-127"/>
+                <a:ea typeface="나눔스퀘어" panose="020B0600000101010101" pitchFamily="50" charset="-127"/>
+              </a:rPr>
+              <a:t>에서 동작하기 때문에</a:t>
+            </a:r>
+            <a:r>
+              <a:rPr lang="en-US" altLang="ko-KR" sz="1600" dirty="0">
+                <a:solidFill>
+                  <a:schemeClr val="accent1">
+                    <a:lumMod val="50000"/>
+                  </a:schemeClr>
+                </a:solidFill>
+                <a:latin typeface="나눔스퀘어" panose="020B0600000101010101" pitchFamily="50" charset="-127"/>
+                <a:ea typeface="나눔스퀘어" panose="020B0600000101010101" pitchFamily="50" charset="-127"/>
+              </a:rPr>
+              <a:t>, </a:t>
+            </a:r>
+            <a:r>
+              <a:rPr lang="en-US" altLang="ko-KR" sz="1600" dirty="0" err="1">
+                <a:solidFill>
+                  <a:schemeClr val="accent1">
+                    <a:lumMod val="50000"/>
+                  </a:schemeClr>
+                </a:solidFill>
+                <a:latin typeface="나눔스퀘어" panose="020B0600000101010101" pitchFamily="50" charset="-127"/>
+                <a:ea typeface="나눔스퀘어" panose="020B0600000101010101" pitchFamily="50" charset="-127"/>
+              </a:rPr>
+              <a:t>certbot</a:t>
+            </a:r>
+            <a:r>
+              <a:rPr lang="ko-KR" altLang="en-US" sz="1600" dirty="0">
+                <a:solidFill>
+                  <a:schemeClr val="accent1">
+                    <a:lumMod val="50000"/>
+                  </a:schemeClr>
+                </a:solidFill>
+                <a:latin typeface="나눔스퀘어" panose="020B0600000101010101" pitchFamily="50" charset="-127"/>
+                <a:ea typeface="나눔스퀘어" panose="020B0600000101010101" pitchFamily="50" charset="-127"/>
+              </a:rPr>
+              <a:t>을 이용해 </a:t>
+            </a:r>
+            <a:r>
+              <a:rPr lang="en-US" altLang="ko-KR" sz="1600" dirty="0">
+                <a:solidFill>
+                  <a:schemeClr val="accent1">
+                    <a:lumMod val="50000"/>
+                  </a:schemeClr>
+                </a:solidFill>
+                <a:latin typeface="나눔스퀘어" panose="020B0600000101010101" pitchFamily="50" charset="-127"/>
+                <a:ea typeface="나눔스퀘어" panose="020B0600000101010101" pitchFamily="50" charset="-127"/>
+              </a:rPr>
+              <a:t>SSL </a:t>
+            </a:r>
+            <a:r>
+              <a:rPr lang="ko-KR" altLang="en-US" sz="1600" dirty="0">
+                <a:solidFill>
+                  <a:schemeClr val="accent1">
+                    <a:lumMod val="50000"/>
+                  </a:schemeClr>
+                </a:solidFill>
+                <a:latin typeface="나눔스퀘어" panose="020B0600000101010101" pitchFamily="50" charset="-127"/>
+                <a:ea typeface="나눔스퀘어" panose="020B0600000101010101" pitchFamily="50" charset="-127"/>
+              </a:rPr>
+              <a:t>인증서를 발급</a:t>
+            </a:r>
+          </a:p>
+        </p:txBody>
+      </p:sp>
+      <p:sp>
+        <p:nvSpPr>
+          <p:cNvPr id="82" name="사각형: 잘린 한쪽 모서리 81">
             <a:extLst>
-              <a:ext uri="{28A0092B-C50C-407E-A947-70E740481C1C}">
-                <a14:useLocalDpi xmlns:a14="http://schemas.microsoft.com/office/drawing/2010/main" val="0"/>
+              <a:ext uri="{FF2B5EF4-FFF2-40B4-BE49-F238E27FC236}">
+                <a16:creationId xmlns:a16="http://schemas.microsoft.com/office/drawing/2014/main" id="{EC5C38B5-F944-45E5-8E95-081EA4BF27BF}"/>
               </a:ext>
             </a:extLst>
-          </a:blip>
-          <a:stretch>
-            <a:fillRect/>
-          </a:stretch>
-        </p:blipFill>
-        <p:spPr bwMode="auto">
+          </p:cNvPr>
+          <p:cNvSpPr/>
+          <p:nvPr/>
+        </p:nvSpPr>
+        <p:spPr>
           <a:xfrm>
-            <a:off x="1224227" y="2903942"/>
-            <a:ext cx="7457545" cy="3452410"/>
+            <a:off x="161128" y="3689275"/>
+            <a:ext cx="3223615" cy="1802150"/>
           </a:xfrm>
-          <a:prstGeom prst="rect">
+          <a:prstGeom prst="snip1Rect">
             <a:avLst/>
           </a:prstGeom>
-          <a:noFill/>
-          <a:extLst>
-            <a:ext uri="{909E8E84-426E-40DD-AFC4-6F175D3DCCD1}">
-              <a14:hiddenFill xmlns:a14="http://schemas.microsoft.com/office/drawing/2010/main">
+          <a:solidFill>
+            <a:schemeClr val="bg1"/>
+          </a:solidFill>
+          <a:ln>
+            <a:noFill/>
+          </a:ln>
+          <a:effectLst>
+            <a:outerShdw blurRad="50800" dist="38100" dir="2700000" algn="tl" rotWithShape="0">
+              <a:prstClr val="black">
+                <a:alpha val="40000"/>
+              </a:prstClr>
+            </a:outerShdw>
+          </a:effectLst>
+        </p:spPr>
+        <p:style>
+          <a:lnRef idx="2">
+            <a:schemeClr val="accent1">
+              <a:shade val="50000"/>
+            </a:schemeClr>
+          </a:lnRef>
+          <a:fillRef idx="1">
+            <a:schemeClr val="accent1"/>
+          </a:fillRef>
+          <a:effectRef idx="0">
+            <a:schemeClr val="accent1"/>
+          </a:effectRef>
+          <a:fontRef idx="minor">
+            <a:schemeClr val="lt1"/>
+          </a:fontRef>
+        </p:style>
+        <p:txBody>
+          <a:bodyPr rtlCol="0" anchor="ctr"/>
+          <a:lstStyle/>
+          <a:p>
+            <a:pPr algn="ctr"/>
+            <a:r>
+              <a:rPr lang="en-US" altLang="ko-KR" sz="1600" dirty="0">
                 <a:solidFill>
-                  <a:srgbClr val="FFFFFF"/>
+                  <a:schemeClr val="accent1">
+                    <a:lumMod val="50000"/>
+                  </a:schemeClr>
                 </a:solidFill>
-              </a14:hiddenFill>
-            </a:ext>
-          </a:extLst>
+                <a:latin typeface="나눔스퀘어" panose="020B0600000101010101" pitchFamily="50" charset="-127"/>
+                <a:ea typeface="나눔스퀘어" panose="020B0600000101010101" pitchFamily="50" charset="-127"/>
+              </a:rPr>
+              <a:t>SSL </a:t>
+            </a:r>
+            <a:r>
+              <a:rPr lang="ko-KR" altLang="en-US" sz="1600" dirty="0">
+                <a:solidFill>
+                  <a:schemeClr val="accent1">
+                    <a:lumMod val="50000"/>
+                  </a:schemeClr>
+                </a:solidFill>
+                <a:latin typeface="나눔스퀘어" panose="020B0600000101010101" pitchFamily="50" charset="-127"/>
+                <a:ea typeface="나눔스퀘어" panose="020B0600000101010101" pitchFamily="50" charset="-127"/>
+              </a:rPr>
+              <a:t>인증서를 </a:t>
+            </a:r>
+            <a:r>
+              <a:rPr lang="en-US" altLang="ko-KR" sz="1600" dirty="0">
+                <a:solidFill>
+                  <a:schemeClr val="accent1">
+                    <a:lumMod val="50000"/>
+                  </a:schemeClr>
+                </a:solidFill>
+                <a:latin typeface="나눔스퀘어" panose="020B0600000101010101" pitchFamily="50" charset="-127"/>
+                <a:ea typeface="나눔스퀘어" panose="020B0600000101010101" pitchFamily="50" charset="-127"/>
+              </a:rPr>
+              <a:t>Ubuntu Server</a:t>
+            </a:r>
+            <a:r>
+              <a:rPr lang="ko-KR" altLang="en-US" sz="1600" dirty="0">
+                <a:solidFill>
+                  <a:schemeClr val="accent1">
+                    <a:lumMod val="50000"/>
+                  </a:schemeClr>
+                </a:solidFill>
+                <a:latin typeface="나눔스퀘어" panose="020B0600000101010101" pitchFamily="50" charset="-127"/>
+                <a:ea typeface="나눔스퀘어" panose="020B0600000101010101" pitchFamily="50" charset="-127"/>
+              </a:rPr>
+              <a:t>에 </a:t>
+            </a:r>
+            <a:r>
+              <a:rPr lang="ko-KR" altLang="en-US" sz="1600" dirty="0" err="1">
+                <a:solidFill>
+                  <a:schemeClr val="accent1">
+                    <a:lumMod val="50000"/>
+                  </a:schemeClr>
+                </a:solidFill>
+                <a:latin typeface="나눔스퀘어" panose="020B0600000101010101" pitchFamily="50" charset="-127"/>
+                <a:ea typeface="나눔스퀘어" panose="020B0600000101010101" pitchFamily="50" charset="-127"/>
+              </a:rPr>
+              <a:t>저장함으로서</a:t>
+            </a:r>
+            <a:r>
+              <a:rPr lang="ko-KR" altLang="en-US" sz="1600" dirty="0">
+                <a:solidFill>
+                  <a:schemeClr val="accent1">
+                    <a:lumMod val="50000"/>
+                  </a:schemeClr>
+                </a:solidFill>
+                <a:latin typeface="나눔스퀘어" panose="020B0600000101010101" pitchFamily="50" charset="-127"/>
+                <a:ea typeface="나눔스퀘어" panose="020B0600000101010101" pitchFamily="50" charset="-127"/>
+              </a:rPr>
+              <a:t> </a:t>
+            </a:r>
+            <a:r>
+              <a:rPr lang="en-US" altLang="ko-KR" sz="1600" dirty="0">
+                <a:solidFill>
+                  <a:schemeClr val="accent1">
+                    <a:lumMod val="50000"/>
+                  </a:schemeClr>
+                </a:solidFill>
+                <a:latin typeface="나눔스퀘어" panose="020B0600000101010101" pitchFamily="50" charset="-127"/>
+                <a:ea typeface="나눔스퀘어" panose="020B0600000101010101" pitchFamily="50" charset="-127"/>
+              </a:rPr>
+              <a:t>HTTPS </a:t>
+            </a:r>
+            <a:r>
+              <a:rPr lang="ko-KR" altLang="en-US" sz="1600" dirty="0">
+                <a:solidFill>
+                  <a:schemeClr val="accent1">
+                    <a:lumMod val="50000"/>
+                  </a:schemeClr>
+                </a:solidFill>
+                <a:latin typeface="나눔스퀘어" panose="020B0600000101010101" pitchFamily="50" charset="-127"/>
+                <a:ea typeface="나눔스퀘어" panose="020B0600000101010101" pitchFamily="50" charset="-127"/>
+              </a:rPr>
+              <a:t>통신이 가능</a:t>
+            </a:r>
+          </a:p>
+        </p:txBody>
+      </p:sp>
+      <p:grpSp>
+        <p:nvGrpSpPr>
+          <p:cNvPr id="81" name="그룹 80">
+            <a:extLst>
+              <a:ext uri="{FF2B5EF4-FFF2-40B4-BE49-F238E27FC236}">
+                <a16:creationId xmlns:a16="http://schemas.microsoft.com/office/drawing/2014/main" id="{3DA157A0-049C-4F79-8BD5-0771F989C307}"/>
+              </a:ext>
+            </a:extLst>
+          </p:cNvPr>
+          <p:cNvGrpSpPr/>
+          <p:nvPr/>
+        </p:nvGrpSpPr>
+        <p:grpSpPr>
+          <a:xfrm>
+            <a:off x="3504404" y="1789001"/>
+            <a:ext cx="6240467" cy="4135763"/>
+            <a:chOff x="3504404" y="1981445"/>
+            <a:chExt cx="6240467" cy="4135763"/>
+          </a:xfrm>
+        </p:grpSpPr>
+        <p:pic>
+          <p:nvPicPr>
+            <p:cNvPr id="15" name="그림 14">
+              <a:extLst>
+                <a:ext uri="{FF2B5EF4-FFF2-40B4-BE49-F238E27FC236}">
+                  <a16:creationId xmlns:a16="http://schemas.microsoft.com/office/drawing/2014/main" id="{0ACDD947-05E7-47E6-9954-AD79C05C5123}"/>
+                </a:ext>
+              </a:extLst>
+            </p:cNvPr>
+            <p:cNvPicPr>
+              <a:picLocks noChangeAspect="1"/>
+            </p:cNvPicPr>
+            <p:nvPr/>
+          </p:nvPicPr>
+          <p:blipFill>
+            <a:blip r:embed="rId2"/>
+            <a:stretch>
+              <a:fillRect/>
+            </a:stretch>
+          </p:blipFill>
+          <p:spPr>
+            <a:xfrm>
+              <a:off x="3504404" y="1981445"/>
+              <a:ext cx="6240467" cy="3702424"/>
+            </a:xfrm>
+            <a:prstGeom prst="rect">
+              <a:avLst/>
+            </a:prstGeom>
+            <a:ln w="38100">
+              <a:solidFill>
+                <a:schemeClr val="accent1">
+                  <a:lumMod val="60000"/>
+                  <a:lumOff val="40000"/>
+                </a:schemeClr>
+              </a:solidFill>
+            </a:ln>
+            <a:effectLst>
+              <a:outerShdw blurRad="50800" dist="38100" dir="2700000" algn="tl" rotWithShape="0">
+                <a:prstClr val="black">
+                  <a:alpha val="40000"/>
+                </a:prstClr>
+              </a:outerShdw>
+            </a:effectLst>
+          </p:spPr>
+        </p:pic>
+        <p:sp>
+          <p:nvSpPr>
+            <p:cNvPr id="83" name="TextBox 82">
+              <a:extLst>
+                <a:ext uri="{FF2B5EF4-FFF2-40B4-BE49-F238E27FC236}">
+                  <a16:creationId xmlns:a16="http://schemas.microsoft.com/office/drawing/2014/main" id="{F282FAAE-180C-4D44-94B2-1416BC2A4F83}"/>
+                </a:ext>
+              </a:extLst>
+            </p:cNvPr>
+            <p:cNvSpPr txBox="1"/>
+            <p:nvPr/>
+          </p:nvSpPr>
+          <p:spPr>
+            <a:xfrm>
+              <a:off x="5320063" y="5840209"/>
+              <a:ext cx="2609150" cy="276999"/>
+            </a:xfrm>
+            <a:prstGeom prst="rect">
+              <a:avLst/>
+            </a:prstGeom>
+            <a:noFill/>
+          </p:spPr>
+          <p:txBody>
+            <a:bodyPr wrap="square" rtlCol="0">
+              <a:spAutoFit/>
+            </a:bodyPr>
+            <a:lstStyle/>
+            <a:p>
+              <a:r>
+                <a:rPr lang="en-US" altLang="ko-KR" sz="1200" dirty="0" err="1">
+                  <a:solidFill>
+                    <a:schemeClr val="bg1"/>
+                  </a:solidFill>
+                  <a:latin typeface="나눔스퀘어" panose="020B0600000101010101" pitchFamily="50" charset="-127"/>
+                  <a:ea typeface="나눔스퀘어" panose="020B0600000101010101" pitchFamily="50" charset="-127"/>
+                </a:rPr>
+                <a:t>Certbot</a:t>
+              </a:r>
+              <a:r>
+                <a:rPr lang="ko-KR" altLang="en-US" sz="1200" dirty="0">
+                  <a:solidFill>
+                    <a:schemeClr val="bg1"/>
+                  </a:solidFill>
+                  <a:latin typeface="나눔스퀘어" panose="020B0600000101010101" pitchFamily="50" charset="-127"/>
+                  <a:ea typeface="나눔스퀘어" panose="020B0600000101010101" pitchFamily="50" charset="-127"/>
+                </a:rPr>
+                <a:t>을 이용한 </a:t>
+              </a:r>
+              <a:r>
+                <a:rPr lang="en-US" altLang="ko-KR" sz="1200" dirty="0">
+                  <a:solidFill>
+                    <a:schemeClr val="bg1"/>
+                  </a:solidFill>
+                  <a:latin typeface="나눔스퀘어" panose="020B0600000101010101" pitchFamily="50" charset="-127"/>
+                  <a:ea typeface="나눔스퀘어" panose="020B0600000101010101" pitchFamily="50" charset="-127"/>
+                </a:rPr>
+                <a:t>SSL </a:t>
+              </a:r>
+              <a:r>
+                <a:rPr lang="ko-KR" altLang="en-US" sz="1200" dirty="0">
+                  <a:solidFill>
+                    <a:schemeClr val="bg1"/>
+                  </a:solidFill>
+                  <a:latin typeface="나눔스퀘어" panose="020B0600000101010101" pitchFamily="50" charset="-127"/>
+                  <a:ea typeface="나눔스퀘어" panose="020B0600000101010101" pitchFamily="50" charset="-127"/>
+                </a:rPr>
+                <a:t>인증서의 발급</a:t>
+              </a:r>
+            </a:p>
+          </p:txBody>
+        </p:sp>
+      </p:grpSp>
+      <p:cxnSp>
+        <p:nvCxnSpPr>
+          <p:cNvPr id="85" name="직선 연결선 84">
+            <a:extLst>
+              <a:ext uri="{FF2B5EF4-FFF2-40B4-BE49-F238E27FC236}">
+                <a16:creationId xmlns:a16="http://schemas.microsoft.com/office/drawing/2014/main" id="{7207F8C8-F20A-4079-9AAF-DD0C89D0BC65}"/>
+              </a:ext>
+            </a:extLst>
+          </p:cNvPr>
+          <p:cNvCxnSpPr>
+            <a:cxnSpLocks/>
+          </p:cNvCxnSpPr>
+          <p:nvPr/>
+        </p:nvCxnSpPr>
+        <p:spPr>
+          <a:xfrm>
+            <a:off x="320143" y="1048713"/>
+            <a:ext cx="9254163" cy="0"/>
+          </a:xfrm>
+          <a:prstGeom prst="line">
+            <a:avLst/>
+          </a:prstGeom>
+          <a:ln w="63500" cap="sq">
+            <a:solidFill>
+              <a:schemeClr val="bg1"/>
+            </a:solidFill>
+          </a:ln>
         </p:spPr>
-      </p:pic>
+        <p:style>
+          <a:lnRef idx="1">
+            <a:schemeClr val="accent1"/>
+          </a:lnRef>
+          <a:fillRef idx="0">
+            <a:schemeClr val="accent1"/>
+          </a:fillRef>
+          <a:effectRef idx="0">
+            <a:schemeClr val="accent1"/>
+          </a:effectRef>
+          <a:fontRef idx="minor">
+            <a:schemeClr val="tx1"/>
+          </a:fontRef>
+        </p:style>
+      </p:cxnSp>
     </p:spTree>
     <p:extLst>
       <p:ext uri="{BB962C8B-B14F-4D97-AF65-F5344CB8AC3E}">
@@ -10903,6 +13607,16 @@
 <file path=ppt/slides/slide9.xml><?xml version="1.0" encoding="utf-8"?>
 <p:sld xmlns:a="http://schemas.openxmlformats.org/drawingml/2006/main" xmlns:r="http://schemas.openxmlformats.org/officeDocument/2006/relationships" xmlns:p="http://schemas.openxmlformats.org/presentationml/2006/main">
   <p:cSld>
+    <p:bg>
+      <p:bgPr>
+        <a:solidFill>
+          <a:schemeClr val="accent1">
+            <a:lumMod val="50000"/>
+          </a:schemeClr>
+        </a:solidFill>
+        <a:effectLst/>
+      </p:bgPr>
+    </p:bg>
     <p:spTree>
       <p:nvGrpSpPr>
         <p:cNvPr id="1" name=""/>
@@ -10935,28 +13649,64 @@
         </p:nvSpPr>
         <p:spPr>
           <a:xfrm>
-            <a:off x="681038" y="257014"/>
+            <a:off x="188684" y="131799"/>
             <a:ext cx="8543925" cy="1042332"/>
           </a:xfrm>
+          <a:effectLst/>
         </p:spPr>
         <p:txBody>
-          <a:bodyPr/>
+          <a:bodyPr>
+            <a:normAutofit fontScale="90000"/>
+          </a:bodyPr>
           <a:lstStyle/>
           <a:p>
             <a:r>
-              <a:rPr lang="en-US" altLang="ko-KR" b="1" dirty="0">
+              <a:rPr lang="en-US" altLang="ko-KR" sz="4400" b="1" dirty="0">
+                <a:solidFill>
+                  <a:schemeClr val="bg1"/>
+                </a:solidFill>
                 <a:latin typeface="Montserrat" pitchFamily="2" charset="0"/>
                 <a:ea typeface="나눔스퀘어" panose="020B0600000101010101" pitchFamily="50" charset="-127"/>
               </a:rPr>
-              <a:t>Project </a:t>
-            </a:r>
-            <a:r>
-              <a:rPr lang="ko-KR" altLang="en-US" b="1" dirty="0">
+              <a:t>Nginx</a:t>
+            </a:r>
+            <a:r>
+              <a:rPr lang="ko-KR" altLang="en-US" sz="4400" b="1" dirty="0">
+                <a:solidFill>
+                  <a:schemeClr val="bg1"/>
+                </a:solidFill>
                 <a:latin typeface="Montserrat" pitchFamily="2" charset="0"/>
                 <a:ea typeface="나눔스퀘어" panose="020B0600000101010101" pitchFamily="50" charset="-127"/>
               </a:rPr>
-              <a:t>담당 기능</a:t>
-            </a:r>
+              <a:t>를 이용한 </a:t>
+            </a:r>
+            <a:r>
+              <a:rPr lang="en-US" altLang="ko-KR" sz="4400" b="1" dirty="0" err="1">
+                <a:solidFill>
+                  <a:schemeClr val="bg1"/>
+                </a:solidFill>
+                <a:latin typeface="Montserrat" pitchFamily="2" charset="0"/>
+                <a:ea typeface="나눔스퀘어" panose="020B0600000101010101" pitchFamily="50" charset="-127"/>
+              </a:rPr>
+              <a:t>openVidu</a:t>
+            </a:r>
+            <a:r>
+              <a:rPr lang="en-US" altLang="ko-KR" sz="4400" b="1" dirty="0">
+                <a:solidFill>
+                  <a:schemeClr val="bg1"/>
+                </a:solidFill>
+                <a:latin typeface="Montserrat" pitchFamily="2" charset="0"/>
+                <a:ea typeface="나눔스퀘어" panose="020B0600000101010101" pitchFamily="50" charset="-127"/>
+              </a:rPr>
+              <a:t> build</a:t>
+            </a:r>
+            <a:endParaRPr lang="ko-KR" altLang="en-US" b="1" dirty="0">
+              <a:solidFill>
+                <a:schemeClr val="bg1"/>
+              </a:solidFill>
+              <a:latin typeface="Montserrat" pitchFamily="2" charset="0"/>
+              <a:ea typeface="나눔스퀘어" panose="020B0600000101010101" pitchFamily="50" charset="-127"/>
+            </a:endParaRPr>
           </a:p>
         </p:txBody>
       </p:sp>
@@ -10982,63 +13732,510 @@
           <a:lstStyle/>
           <a:p>
             <a:r>
-              <a:rPr lang="en-US" altLang="ko-KR"/>
-              <a:t>Project Mokkozi</a:t>
-            </a:r>
-            <a:endParaRPr lang="ko-KR" altLang="en-US"/>
+              <a:rPr lang="en-US" altLang="ko-KR" dirty="0"/>
+              <a:t>Project </a:t>
+            </a:r>
+            <a:r>
+              <a:rPr lang="en-US" altLang="ko-KR" dirty="0" err="1"/>
+              <a:t>Mokkozi</a:t>
+            </a:r>
+            <a:endParaRPr lang="ko-KR" altLang="en-US" dirty="0"/>
           </a:p>
         </p:txBody>
       </p:sp>
-      <p:pic>
-        <p:nvPicPr>
-          <p:cNvPr id="3074" name="Picture 2" descr="image-20211119073757622">
+      <p:sp>
+        <p:nvSpPr>
+          <p:cNvPr id="77" name="사각형: 잘린 한쪽 모서리 76">
             <a:extLst>
               <a:ext uri="{FF2B5EF4-FFF2-40B4-BE49-F238E27FC236}">
-                <a16:creationId xmlns:a16="http://schemas.microsoft.com/office/drawing/2014/main" id="{FBE865F6-543F-4E8E-A69F-56B5B2583D45}"/>
+                <a16:creationId xmlns:a16="http://schemas.microsoft.com/office/drawing/2014/main" id="{824D426C-BB03-45BE-9B39-CBC569AF1B5D}"/>
               </a:ext>
             </a:extLst>
           </p:cNvPr>
-          <p:cNvPicPr>
-            <a:picLocks noChangeAspect="1" noChangeArrowheads="1"/>
-          </p:cNvPicPr>
+          <p:cNvSpPr/>
           <p:nvPr/>
-        </p:nvPicPr>
-        <p:blipFill>
-          <a:blip r:embed="rId2">
+        </p:nvSpPr>
+        <p:spPr>
+          <a:xfrm>
+            <a:off x="6556454" y="1789001"/>
+            <a:ext cx="3223615" cy="1802150"/>
+          </a:xfrm>
+          <a:prstGeom prst="snip1Rect">
+            <a:avLst/>
+          </a:prstGeom>
+          <a:solidFill>
+            <a:schemeClr val="bg1"/>
+          </a:solidFill>
+          <a:ln>
+            <a:noFill/>
+          </a:ln>
+          <a:effectLst/>
+        </p:spPr>
+        <p:style>
+          <a:lnRef idx="2">
+            <a:schemeClr val="accent1">
+              <a:shade val="50000"/>
+            </a:schemeClr>
+          </a:lnRef>
+          <a:fillRef idx="1">
+            <a:schemeClr val="accent1"/>
+          </a:fillRef>
+          <a:effectRef idx="0">
+            <a:schemeClr val="accent1"/>
+          </a:effectRef>
+          <a:fontRef idx="minor">
+            <a:schemeClr val="lt1"/>
+          </a:fontRef>
+        </p:style>
+        <p:txBody>
+          <a:bodyPr rtlCol="0" anchor="ctr"/>
+          <a:lstStyle/>
+          <a:p>
+            <a:pPr algn="ctr"/>
+            <a:r>
+              <a:rPr lang="en-US" altLang="ko-KR" sz="1600" dirty="0" err="1">
+                <a:solidFill>
+                  <a:schemeClr val="accent1">
+                    <a:lumMod val="50000"/>
+                  </a:schemeClr>
+                </a:solidFill>
+                <a:latin typeface="나눔스퀘어" panose="020B0600000101010101" pitchFamily="50" charset="-127"/>
+                <a:ea typeface="나눔스퀘어" panose="020B0600000101010101" pitchFamily="50" charset="-127"/>
+              </a:rPr>
+              <a:t>Ufw</a:t>
+            </a:r>
+            <a:r>
+              <a:rPr lang="en-US" altLang="ko-KR" sz="1600" dirty="0">
+                <a:solidFill>
+                  <a:schemeClr val="accent1">
+                    <a:lumMod val="50000"/>
+                  </a:schemeClr>
+                </a:solidFill>
+                <a:latin typeface="나눔스퀘어" panose="020B0600000101010101" pitchFamily="50" charset="-127"/>
+                <a:ea typeface="나눔스퀘어" panose="020B0600000101010101" pitchFamily="50" charset="-127"/>
+              </a:rPr>
+              <a:t>(ubuntu</a:t>
+            </a:r>
+            <a:r>
+              <a:rPr lang="ko-KR" altLang="en-US" sz="1600" dirty="0">
+                <a:solidFill>
+                  <a:schemeClr val="accent1">
+                    <a:lumMod val="50000"/>
+                  </a:schemeClr>
+                </a:solidFill>
+                <a:latin typeface="나눔스퀘어" panose="020B0600000101010101" pitchFamily="50" charset="-127"/>
+                <a:ea typeface="나눔스퀘어" panose="020B0600000101010101" pitchFamily="50" charset="-127"/>
+              </a:rPr>
+              <a:t> </a:t>
+            </a:r>
+            <a:r>
+              <a:rPr lang="en-US" altLang="ko-KR" sz="1600" dirty="0">
+                <a:solidFill>
+                  <a:schemeClr val="accent1">
+                    <a:lumMod val="50000"/>
+                  </a:schemeClr>
+                </a:solidFill>
+                <a:latin typeface="나눔스퀘어" panose="020B0600000101010101" pitchFamily="50" charset="-127"/>
+                <a:ea typeface="나눔스퀘어" panose="020B0600000101010101" pitchFamily="50" charset="-127"/>
+              </a:rPr>
+              <a:t>firewall)</a:t>
+            </a:r>
+            <a:r>
+              <a:rPr lang="ko-KR" altLang="en-US" sz="1600" dirty="0">
+                <a:solidFill>
+                  <a:schemeClr val="accent1">
+                    <a:lumMod val="50000"/>
+                  </a:schemeClr>
+                </a:solidFill>
+                <a:latin typeface="나눔스퀘어" panose="020B0600000101010101" pitchFamily="50" charset="-127"/>
+                <a:ea typeface="나눔스퀘어" panose="020B0600000101010101" pitchFamily="50" charset="-127"/>
+              </a:rPr>
+              <a:t>를 통해 </a:t>
+            </a:r>
+            <a:r>
+              <a:rPr lang="en-US" altLang="ko-KR" sz="1600" dirty="0" err="1">
+                <a:solidFill>
+                  <a:schemeClr val="accent1">
+                    <a:lumMod val="50000"/>
+                  </a:schemeClr>
+                </a:solidFill>
+                <a:latin typeface="나눔스퀘어" panose="020B0600000101010101" pitchFamily="50" charset="-127"/>
+                <a:ea typeface="나눔스퀘어" panose="020B0600000101010101" pitchFamily="50" charset="-127"/>
+              </a:rPr>
+              <a:t>springboot</a:t>
+            </a:r>
+            <a:r>
+              <a:rPr lang="en-US" altLang="ko-KR" sz="1600" dirty="0">
+                <a:solidFill>
+                  <a:schemeClr val="accent1">
+                    <a:lumMod val="50000"/>
+                  </a:schemeClr>
+                </a:solidFill>
+                <a:latin typeface="나눔스퀘어" panose="020B0600000101010101" pitchFamily="50" charset="-127"/>
+                <a:ea typeface="나눔스퀘어" panose="020B0600000101010101" pitchFamily="50" charset="-127"/>
+              </a:rPr>
+              <a:t>, vue.js, </a:t>
+            </a:r>
+            <a:r>
+              <a:rPr lang="en-US" altLang="ko-KR" sz="1600" dirty="0" err="1">
+                <a:solidFill>
+                  <a:schemeClr val="accent1">
+                    <a:lumMod val="50000"/>
+                  </a:schemeClr>
+                </a:solidFill>
+                <a:latin typeface="나눔스퀘어" panose="020B0600000101010101" pitchFamily="50" charset="-127"/>
+                <a:ea typeface="나눔스퀘어" panose="020B0600000101010101" pitchFamily="50" charset="-127"/>
+              </a:rPr>
+              <a:t>openVidu</a:t>
+            </a:r>
+            <a:r>
+              <a:rPr lang="ko-KR" altLang="en-US" sz="1600" dirty="0">
+                <a:solidFill>
+                  <a:schemeClr val="accent1">
+                    <a:lumMod val="50000"/>
+                  </a:schemeClr>
+                </a:solidFill>
+                <a:latin typeface="나눔스퀘어" panose="020B0600000101010101" pitchFamily="50" charset="-127"/>
+                <a:ea typeface="나눔스퀘어" panose="020B0600000101010101" pitchFamily="50" charset="-127"/>
+              </a:rPr>
+              <a:t>의 포트를 설정</a:t>
+            </a:r>
+          </a:p>
+        </p:txBody>
+      </p:sp>
+      <p:sp>
+        <p:nvSpPr>
+          <p:cNvPr id="82" name="사각형: 잘린 한쪽 모서리 81">
             <a:extLst>
-              <a:ext uri="{28A0092B-C50C-407E-A947-70E740481C1C}">
-                <a14:useLocalDpi xmlns:a14="http://schemas.microsoft.com/office/drawing/2010/main" val="0"/>
+              <a:ext uri="{FF2B5EF4-FFF2-40B4-BE49-F238E27FC236}">
+                <a16:creationId xmlns:a16="http://schemas.microsoft.com/office/drawing/2014/main" id="{EC5C38B5-F944-45E5-8E95-081EA4BF27BF}"/>
               </a:ext>
             </a:extLst>
-          </a:blip>
-          <a:stretch>
-            <a:fillRect/>
-          </a:stretch>
-        </p:blipFill>
-        <p:spPr bwMode="auto">
+          </p:cNvPr>
+          <p:cNvSpPr/>
+          <p:nvPr/>
+        </p:nvSpPr>
+        <p:spPr>
           <a:xfrm>
-            <a:off x="1648712" y="2994401"/>
-            <a:ext cx="6608576" cy="3361951"/>
+            <a:off x="6556453" y="3689275"/>
+            <a:ext cx="3223615" cy="1802150"/>
           </a:xfrm>
-          <a:prstGeom prst="rect">
+          <a:prstGeom prst="snip1Rect">
             <a:avLst/>
           </a:prstGeom>
-          <a:noFill/>
-          <a:extLst>
-            <a:ext uri="{909E8E84-426E-40DD-AFC4-6F175D3DCCD1}">
-              <a14:hiddenFill xmlns:a14="http://schemas.microsoft.com/office/drawing/2010/main">
+          <a:solidFill>
+            <a:schemeClr val="bg1"/>
+          </a:solidFill>
+          <a:ln>
+            <a:noFill/>
+          </a:ln>
+          <a:effectLst/>
+        </p:spPr>
+        <p:style>
+          <a:lnRef idx="2">
+            <a:schemeClr val="accent1">
+              <a:shade val="50000"/>
+            </a:schemeClr>
+          </a:lnRef>
+          <a:fillRef idx="1">
+            <a:schemeClr val="accent1"/>
+          </a:fillRef>
+          <a:effectRef idx="0">
+            <a:schemeClr val="accent1"/>
+          </a:effectRef>
+          <a:fontRef idx="minor">
+            <a:schemeClr val="lt1"/>
+          </a:fontRef>
+        </p:style>
+        <p:txBody>
+          <a:bodyPr rtlCol="0" anchor="ctr"/>
+          <a:lstStyle/>
+          <a:p>
+            <a:pPr algn="ctr"/>
+            <a:r>
+              <a:rPr lang="ko-KR" altLang="en-US" sz="1600" dirty="0">
                 <a:solidFill>
-                  <a:srgbClr val="FFFFFF"/>
+                  <a:schemeClr val="accent1">
+                    <a:lumMod val="50000"/>
+                  </a:schemeClr>
                 </a:solidFill>
-              </a14:hiddenFill>
-            </a:ext>
-          </a:extLst>
+                <a:latin typeface="나눔스퀘어" panose="020B0600000101010101" pitchFamily="50" charset="-127"/>
+                <a:ea typeface="나눔스퀘어" panose="020B0600000101010101" pitchFamily="50" charset="-127"/>
+              </a:rPr>
+              <a:t>초기 설치한 </a:t>
+            </a:r>
+            <a:r>
+              <a:rPr lang="en-US" altLang="ko-KR" sz="1600" dirty="0" err="1">
+                <a:solidFill>
+                  <a:schemeClr val="accent1">
+                    <a:lumMod val="50000"/>
+                  </a:schemeClr>
+                </a:solidFill>
+                <a:latin typeface="나눔스퀘어" panose="020B0600000101010101" pitchFamily="50" charset="-127"/>
+                <a:ea typeface="나눔스퀘어" panose="020B0600000101010101" pitchFamily="50" charset="-127"/>
+              </a:rPr>
+              <a:t>Kurento</a:t>
+            </a:r>
+            <a:r>
+              <a:rPr lang="en-US" altLang="ko-KR" sz="1600" dirty="0">
+                <a:solidFill>
+                  <a:schemeClr val="accent1">
+                    <a:lumMod val="50000"/>
+                  </a:schemeClr>
+                </a:solidFill>
+                <a:latin typeface="나눔스퀘어" panose="020B0600000101010101" pitchFamily="50" charset="-127"/>
+                <a:ea typeface="나눔스퀘어" panose="020B0600000101010101" pitchFamily="50" charset="-127"/>
+              </a:rPr>
+              <a:t> Media Server</a:t>
+            </a:r>
+            <a:r>
+              <a:rPr lang="ko-KR" altLang="en-US" sz="1600" dirty="0">
+                <a:solidFill>
+                  <a:schemeClr val="accent1">
+                    <a:lumMod val="50000"/>
+                  </a:schemeClr>
+                </a:solidFill>
+                <a:latin typeface="나눔스퀘어" panose="020B0600000101010101" pitchFamily="50" charset="-127"/>
+                <a:ea typeface="나눔스퀘어" panose="020B0600000101010101" pitchFamily="50" charset="-127"/>
+              </a:rPr>
+              <a:t>로 인해 </a:t>
+            </a:r>
+            <a:r>
+              <a:rPr lang="en-US" altLang="ko-KR" sz="1600" dirty="0">
+                <a:solidFill>
+                  <a:schemeClr val="accent1">
+                    <a:lumMod val="50000"/>
+                  </a:schemeClr>
+                </a:solidFill>
+                <a:latin typeface="나눔스퀘어" panose="020B0600000101010101" pitchFamily="50" charset="-127"/>
+                <a:ea typeface="나눔스퀘어" panose="020B0600000101010101" pitchFamily="50" charset="-127"/>
+              </a:rPr>
+              <a:t>COTURN </a:t>
+            </a:r>
+            <a:r>
+              <a:rPr lang="ko-KR" altLang="en-US" sz="1600" dirty="0">
+                <a:solidFill>
+                  <a:schemeClr val="accent1">
+                    <a:lumMod val="50000"/>
+                  </a:schemeClr>
+                </a:solidFill>
+                <a:latin typeface="나눔스퀘어" panose="020B0600000101010101" pitchFamily="50" charset="-127"/>
+                <a:ea typeface="나눔스퀘어" panose="020B0600000101010101" pitchFamily="50" charset="-127"/>
+              </a:rPr>
+              <a:t>서버의 충돌이 발생</a:t>
+            </a:r>
+            <a:r>
+              <a:rPr lang="en-US" altLang="ko-KR" sz="1600" dirty="0">
+                <a:solidFill>
+                  <a:schemeClr val="accent1">
+                    <a:lumMod val="50000"/>
+                  </a:schemeClr>
+                </a:solidFill>
+                <a:latin typeface="나눔스퀘어" panose="020B0600000101010101" pitchFamily="50" charset="-127"/>
+                <a:ea typeface="나눔스퀘어" panose="020B0600000101010101" pitchFamily="50" charset="-127"/>
+              </a:rPr>
+              <a:t>, </a:t>
+            </a:r>
+            <a:r>
+              <a:rPr lang="ko-KR" altLang="en-US" sz="1600" dirty="0">
+                <a:solidFill>
+                  <a:schemeClr val="accent1">
+                    <a:lumMod val="50000"/>
+                  </a:schemeClr>
+                </a:solidFill>
+                <a:latin typeface="나눔스퀘어" panose="020B0600000101010101" pitchFamily="50" charset="-127"/>
+                <a:ea typeface="나눔스퀘어" panose="020B0600000101010101" pitchFamily="50" charset="-127"/>
+              </a:rPr>
+              <a:t>해결하기까지 오랜 시간 소요</a:t>
+            </a:r>
+          </a:p>
+        </p:txBody>
+      </p:sp>
+      <p:grpSp>
+        <p:nvGrpSpPr>
+          <p:cNvPr id="4" name="그룹 3">
+            <a:extLst>
+              <a:ext uri="{FF2B5EF4-FFF2-40B4-BE49-F238E27FC236}">
+                <a16:creationId xmlns:a16="http://schemas.microsoft.com/office/drawing/2014/main" id="{55F4D23A-624E-4500-B015-52B302DB870F}"/>
+              </a:ext>
+            </a:extLst>
+          </p:cNvPr>
+          <p:cNvGrpSpPr/>
+          <p:nvPr/>
+        </p:nvGrpSpPr>
+        <p:grpSpPr>
+          <a:xfrm>
+            <a:off x="188684" y="1789001"/>
+            <a:ext cx="6240467" cy="4134887"/>
+            <a:chOff x="188684" y="1981445"/>
+            <a:chExt cx="6240467" cy="4134887"/>
+          </a:xfrm>
+          <a:effectLst/>
+        </p:grpSpPr>
+        <p:pic>
+          <p:nvPicPr>
+            <p:cNvPr id="10" name="Picture 4">
+              <a:extLst>
+                <a:ext uri="{FF2B5EF4-FFF2-40B4-BE49-F238E27FC236}">
+                  <a16:creationId xmlns:a16="http://schemas.microsoft.com/office/drawing/2014/main" id="{A2E7150F-9B9F-4FED-8B10-D88970BB9753}"/>
+                </a:ext>
+              </a:extLst>
+            </p:cNvPr>
+            <p:cNvPicPr>
+              <a:picLocks noChangeAspect="1" noChangeArrowheads="1"/>
+            </p:cNvPicPr>
+            <p:nvPr/>
+          </p:nvPicPr>
+          <p:blipFill>
+            <a:blip r:embed="rId2">
+              <a:extLst>
+                <a:ext uri="{28A0092B-C50C-407E-A947-70E740481C1C}">
+                  <a14:useLocalDpi xmlns:a14="http://schemas.microsoft.com/office/drawing/2010/main" val="0"/>
+                </a:ext>
+              </a:extLst>
+            </a:blip>
+            <a:stretch>
+              <a:fillRect/>
+            </a:stretch>
+          </p:blipFill>
+          <p:spPr bwMode="auto">
+            <a:xfrm>
+              <a:off x="188684" y="1981445"/>
+              <a:ext cx="6240467" cy="3702424"/>
+            </a:xfrm>
+            <a:prstGeom prst="rect">
+              <a:avLst/>
+            </a:prstGeom>
+            <a:noFill/>
+            <a:ln w="25400">
+              <a:solidFill>
+                <a:schemeClr val="bg1"/>
+              </a:solidFill>
+            </a:ln>
+            <a:effectLst>
+              <a:outerShdw blurRad="50800" dist="38100" dir="2700000" algn="tl" rotWithShape="0">
+                <a:prstClr val="black">
+                  <a:alpha val="40000"/>
+                </a:prstClr>
+              </a:outerShdw>
+            </a:effectLst>
+            <a:extLst>
+              <a:ext uri="{909E8E84-426E-40DD-AFC4-6F175D3DCCD1}">
+                <a14:hiddenFill xmlns:a14="http://schemas.microsoft.com/office/drawing/2010/main">
+                  <a:solidFill>
+                    <a:srgbClr val="FFFFFF"/>
+                  </a:solidFill>
+                </a14:hiddenFill>
+              </a:ext>
+            </a:extLst>
+          </p:spPr>
+        </p:pic>
+        <p:sp>
+          <p:nvSpPr>
+            <p:cNvPr id="11" name="TextBox 10">
+              <a:extLst>
+                <a:ext uri="{FF2B5EF4-FFF2-40B4-BE49-F238E27FC236}">
+                  <a16:creationId xmlns:a16="http://schemas.microsoft.com/office/drawing/2014/main" id="{85B3F136-4A5E-4FFD-B771-2866A7FAC37D}"/>
+                </a:ext>
+              </a:extLst>
+            </p:cNvPr>
+            <p:cNvSpPr txBox="1"/>
+            <p:nvPr/>
+          </p:nvSpPr>
+          <p:spPr>
+            <a:xfrm>
+              <a:off x="2125976" y="5839333"/>
+              <a:ext cx="2365882" cy="276999"/>
+            </a:xfrm>
+            <a:prstGeom prst="rect">
+              <a:avLst/>
+            </a:prstGeom>
+            <a:noFill/>
+          </p:spPr>
+          <p:txBody>
+            <a:bodyPr wrap="square" rtlCol="0">
+              <a:spAutoFit/>
+            </a:bodyPr>
+            <a:lstStyle/>
+            <a:p>
+              <a:r>
+                <a:rPr lang="ko-KR" altLang="en-US" sz="1200" dirty="0">
+                  <a:solidFill>
+                    <a:schemeClr val="bg1"/>
+                  </a:solidFill>
+                  <a:latin typeface="나눔스퀘어" panose="020B0600000101010101" pitchFamily="50" charset="-127"/>
+                  <a:ea typeface="나눔스퀘어" panose="020B0600000101010101" pitchFamily="50" charset="-127"/>
+                </a:rPr>
+                <a:t>성공적으로 배포된 </a:t>
+              </a:r>
+              <a:r>
+                <a:rPr lang="en-US" altLang="ko-KR" sz="1200" dirty="0" err="1">
+                  <a:solidFill>
+                    <a:schemeClr val="bg1"/>
+                  </a:solidFill>
+                  <a:latin typeface="나눔스퀘어" panose="020B0600000101010101" pitchFamily="50" charset="-127"/>
+                  <a:ea typeface="나눔스퀘어" panose="020B0600000101010101" pitchFamily="50" charset="-127"/>
+                </a:rPr>
+                <a:t>openVidu</a:t>
+              </a:r>
+              <a:endParaRPr lang="ko-KR" altLang="en-US" sz="1200" dirty="0">
+                <a:solidFill>
+                  <a:schemeClr val="bg1"/>
+                </a:solidFill>
+                <a:latin typeface="나눔스퀘어" panose="020B0600000101010101" pitchFamily="50" charset="-127"/>
+                <a:ea typeface="나눔스퀘어" panose="020B0600000101010101" pitchFamily="50" charset="-127"/>
+              </a:endParaRPr>
+            </a:p>
+          </p:txBody>
+        </p:sp>
+      </p:grpSp>
+      <p:cxnSp>
+        <p:nvCxnSpPr>
+          <p:cNvPr id="13" name="직선 연결선 12">
+            <a:extLst>
+              <a:ext uri="{FF2B5EF4-FFF2-40B4-BE49-F238E27FC236}">
+                <a16:creationId xmlns:a16="http://schemas.microsoft.com/office/drawing/2014/main" id="{B43BB43F-71E7-4644-AD61-71F4DE6C3453}"/>
+              </a:ext>
+            </a:extLst>
+          </p:cNvPr>
+          <p:cNvCxnSpPr>
+            <a:cxnSpLocks/>
+          </p:cNvCxnSpPr>
+          <p:nvPr/>
+        </p:nvCxnSpPr>
+        <p:spPr>
+          <a:xfrm>
+            <a:off x="320143" y="1048713"/>
+            <a:ext cx="9254163" cy="0"/>
+          </a:xfrm>
+          <a:prstGeom prst="line">
+            <a:avLst/>
+          </a:prstGeom>
+          <a:ln w="63500" cap="sq">
+            <a:solidFill>
+              <a:schemeClr val="bg1"/>
+            </a:solidFill>
+          </a:ln>
         </p:spPr>
-      </p:pic>
+        <p:style>
+          <a:lnRef idx="1">
+            <a:schemeClr val="accent1"/>
+          </a:lnRef>
+          <a:fillRef idx="0">
+            <a:schemeClr val="accent1"/>
+          </a:fillRef>
+          <a:effectRef idx="0">
+            <a:schemeClr val="accent1"/>
+          </a:effectRef>
+          <a:fontRef idx="minor">
+            <a:schemeClr val="tx1"/>
+          </a:fontRef>
+        </p:style>
+      </p:cxnSp>
     </p:spTree>
     <p:extLst>
       <p:ext uri="{BB962C8B-B14F-4D97-AF65-F5344CB8AC3E}">
-        <p14:creationId xmlns:p14="http://schemas.microsoft.com/office/powerpoint/2010/main" val="4043425075"/>
+        <p14:creationId xmlns:p14="http://schemas.microsoft.com/office/powerpoint/2010/main" val="1223690546"/>
       </p:ext>
     </p:extLst>
   </p:cSld>
